--- a/doc/InfoSec课程设计答辩.pptx
+++ b/doc/InfoSec课程设计答辩.pptx
@@ -6,34 +6,36 @@
   </p:sldMasterIdLst>
   <p:sldIdLst>
     <p:sldId id="256" r:id="rId2"/>
-    <p:sldId id="257" r:id="rId3"/>
-    <p:sldId id="277" r:id="rId4"/>
-    <p:sldId id="291" r:id="rId5"/>
-    <p:sldId id="279" r:id="rId6"/>
-    <p:sldId id="258" r:id="rId7"/>
-    <p:sldId id="259" r:id="rId8"/>
-    <p:sldId id="260" r:id="rId9"/>
-    <p:sldId id="261" r:id="rId10"/>
-    <p:sldId id="262" r:id="rId11"/>
-    <p:sldId id="263" r:id="rId12"/>
-    <p:sldId id="264" r:id="rId13"/>
-    <p:sldId id="288" r:id="rId14"/>
-    <p:sldId id="285" r:id="rId15"/>
-    <p:sldId id="278" r:id="rId16"/>
-    <p:sldId id="282" r:id="rId17"/>
-    <p:sldId id="290" r:id="rId18"/>
-    <p:sldId id="280" r:id="rId19"/>
-    <p:sldId id="284" r:id="rId20"/>
-    <p:sldId id="289" r:id="rId21"/>
-    <p:sldId id="269" r:id="rId22"/>
-    <p:sldId id="270" r:id="rId23"/>
-    <p:sldId id="271" r:id="rId24"/>
-    <p:sldId id="272" r:id="rId25"/>
-    <p:sldId id="273" r:id="rId26"/>
-    <p:sldId id="274" r:id="rId27"/>
-    <p:sldId id="275" r:id="rId28"/>
-    <p:sldId id="276" r:id="rId29"/>
-    <p:sldId id="286" r:id="rId30"/>
+    <p:sldId id="292" r:id="rId3"/>
+    <p:sldId id="257" r:id="rId4"/>
+    <p:sldId id="277" r:id="rId5"/>
+    <p:sldId id="291" r:id="rId6"/>
+    <p:sldId id="279" r:id="rId7"/>
+    <p:sldId id="258" r:id="rId8"/>
+    <p:sldId id="259" r:id="rId9"/>
+    <p:sldId id="260" r:id="rId10"/>
+    <p:sldId id="261" r:id="rId11"/>
+    <p:sldId id="262" r:id="rId12"/>
+    <p:sldId id="263" r:id="rId13"/>
+    <p:sldId id="264" r:id="rId14"/>
+    <p:sldId id="288" r:id="rId15"/>
+    <p:sldId id="285" r:id="rId16"/>
+    <p:sldId id="278" r:id="rId17"/>
+    <p:sldId id="282" r:id="rId18"/>
+    <p:sldId id="293" r:id="rId19"/>
+    <p:sldId id="290" r:id="rId20"/>
+    <p:sldId id="280" r:id="rId21"/>
+    <p:sldId id="284" r:id="rId22"/>
+    <p:sldId id="289" r:id="rId23"/>
+    <p:sldId id="269" r:id="rId24"/>
+    <p:sldId id="270" r:id="rId25"/>
+    <p:sldId id="271" r:id="rId26"/>
+    <p:sldId id="272" r:id="rId27"/>
+    <p:sldId id="273" r:id="rId28"/>
+    <p:sldId id="274" r:id="rId29"/>
+    <p:sldId id="275" r:id="rId30"/>
+    <p:sldId id="276" r:id="rId31"/>
+    <p:sldId id="286" r:id="rId32"/>
   </p:sldIdLst>
   <p:sldSz cx="12192000" cy="6858000"/>
   <p:notesSz cx="6858000" cy="9144000"/>
@@ -3475,6 +3477,142 @@
           <p:cNvPr id="2" name="标题 1">
             <a:extLst>
               <a:ext uri="{FF2B5EF4-FFF2-40B4-BE49-F238E27FC236}">
+                <a16:creationId xmlns:a16="http://schemas.microsoft.com/office/drawing/2014/main" id="{1D1D5EF4-9974-494F-B574-42CF5B032307}"/>
+              </a:ext>
+            </a:extLst>
+          </p:cNvPr>
+          <p:cNvSpPr>
+            <a:spLocks noGrp="1"/>
+          </p:cNvSpPr>
+          <p:nvPr>
+            <p:ph type="title"/>
+          </p:nvPr>
+        </p:nvSpPr>
+        <p:spPr>
+          <a:xfrm>
+            <a:off x="838200" y="365125"/>
+            <a:ext cx="10515600" cy="918552"/>
+          </a:xfrm>
+        </p:spPr>
+        <p:txBody>
+          <a:bodyPr/>
+          <a:lstStyle/>
+          <a:p>
+            <a:r>
+              <a:rPr lang="zh-CN" altLang="en-US" dirty="0"/>
+              <a:t>访问首页</a:t>
+            </a:r>
+          </a:p>
+        </p:txBody>
+      </p:sp>
+      <p:sp>
+        <p:nvSpPr>
+          <p:cNvPr id="3" name="内容占位符 2">
+            <a:extLst>
+              <a:ext uri="{FF2B5EF4-FFF2-40B4-BE49-F238E27FC236}">
+                <a16:creationId xmlns:a16="http://schemas.microsoft.com/office/drawing/2014/main" id="{B3313249-3A82-4E3D-94A0-B71CA67EC455}"/>
+              </a:ext>
+            </a:extLst>
+          </p:cNvPr>
+          <p:cNvSpPr>
+            <a:spLocks noGrp="1"/>
+          </p:cNvSpPr>
+          <p:nvPr>
+            <p:ph idx="1"/>
+          </p:nvPr>
+        </p:nvSpPr>
+        <p:spPr>
+          <a:xfrm>
+            <a:off x="838200" y="1406769"/>
+            <a:ext cx="10515600" cy="4770194"/>
+          </a:xfrm>
+        </p:spPr>
+        <p:txBody>
+          <a:bodyPr/>
+          <a:lstStyle/>
+          <a:p>
+            <a:r>
+              <a:rPr lang="zh-CN" altLang="en-US" dirty="0"/>
+              <a:t>没有登陆和权限的限制：</a:t>
+            </a:r>
+            <a:endParaRPr lang="en-US" altLang="zh-CN" dirty="0"/>
+          </a:p>
+          <a:p>
+            <a:endParaRPr lang="zh-CN" altLang="en-US" dirty="0"/>
+          </a:p>
+        </p:txBody>
+      </p:sp>
+      <p:pic>
+        <p:nvPicPr>
+          <p:cNvPr id="5" name="图片 4">
+            <a:extLst>
+              <a:ext uri="{FF2B5EF4-FFF2-40B4-BE49-F238E27FC236}">
+                <a16:creationId xmlns:a16="http://schemas.microsoft.com/office/drawing/2014/main" id="{856A79E4-7E8B-4077-BB23-67ED7F5957A5}"/>
+              </a:ext>
+            </a:extLst>
+          </p:cNvPr>
+          <p:cNvPicPr>
+            <a:picLocks noChangeAspect="1"/>
+          </p:cNvPicPr>
+          <p:nvPr/>
+        </p:nvPicPr>
+        <p:blipFill>
+          <a:blip r:embed="rId2">
+            <a:extLst>
+              <a:ext uri="{28A0092B-C50C-407E-A947-70E740481C1C}">
+                <a14:useLocalDpi xmlns:a14="http://schemas.microsoft.com/office/drawing/2010/main" val="0"/>
+              </a:ext>
+            </a:extLst>
+          </a:blip>
+          <a:stretch>
+            <a:fillRect/>
+          </a:stretch>
+        </p:blipFill>
+        <p:spPr>
+          <a:xfrm>
+            <a:off x="1443971" y="2268415"/>
+            <a:ext cx="8990835" cy="3305908"/>
+          </a:xfrm>
+          <a:prstGeom prst="rect">
+            <a:avLst/>
+          </a:prstGeom>
+        </p:spPr>
+      </p:pic>
+    </p:spTree>
+    <p:extLst>
+      <p:ext uri="{BB962C8B-B14F-4D97-AF65-F5344CB8AC3E}">
+        <p14:creationId xmlns:p14="http://schemas.microsoft.com/office/powerpoint/2010/main" val="100180039"/>
+      </p:ext>
+    </p:extLst>
+  </p:cSld>
+  <p:clrMapOvr>
+    <a:masterClrMapping/>
+  </p:clrMapOvr>
+</p:sld>
+</file>
+
+<file path=ppt/slides/slide11.xml><?xml version="1.0" encoding="utf-8"?>
+<p:sld xmlns:a="http://schemas.openxmlformats.org/drawingml/2006/main" xmlns:r="http://schemas.openxmlformats.org/officeDocument/2006/relationships" xmlns:p="http://schemas.openxmlformats.org/presentationml/2006/main">
+  <p:cSld>
+    <p:spTree>
+      <p:nvGrpSpPr>
+        <p:cNvPr id="1" name=""/>
+        <p:cNvGrpSpPr/>
+        <p:nvPr/>
+      </p:nvGrpSpPr>
+      <p:grpSpPr>
+        <a:xfrm>
+          <a:off x="0" y="0"/>
+          <a:ext cx="0" cy="0"/>
+          <a:chOff x="0" y="0"/>
+          <a:chExt cx="0" cy="0"/>
+        </a:xfrm>
+      </p:grpSpPr>
+      <p:sp>
+        <p:nvSpPr>
+          <p:cNvPr id="2" name="标题 1">
+            <a:extLst>
+              <a:ext uri="{FF2B5EF4-FFF2-40B4-BE49-F238E27FC236}">
                 <a16:creationId xmlns:a16="http://schemas.microsoft.com/office/drawing/2014/main" id="{FA724FAF-15A7-4FDD-B878-32C174BE6765}"/>
               </a:ext>
             </a:extLst>
@@ -3597,7 +3735,7 @@
 </p:sld>
 </file>
 
-<file path=ppt/slides/slide11.xml><?xml version="1.0" encoding="utf-8"?>
+<file path=ppt/slides/slide12.xml><?xml version="1.0" encoding="utf-8"?>
 <p:sld xmlns:a="http://schemas.openxmlformats.org/drawingml/2006/main" xmlns:r="http://schemas.openxmlformats.org/officeDocument/2006/relationships" xmlns:p="http://schemas.openxmlformats.org/presentationml/2006/main">
   <p:cSld>
     <p:spTree>
@@ -3756,7 +3894,7 @@
 </p:sld>
 </file>
 
-<file path=ppt/slides/slide12.xml><?xml version="1.0" encoding="utf-8"?>
+<file path=ppt/slides/slide13.xml><?xml version="1.0" encoding="utf-8"?>
 <p:sld xmlns:a="http://schemas.openxmlformats.org/drawingml/2006/main" xmlns:r="http://schemas.openxmlformats.org/officeDocument/2006/relationships" xmlns:p="http://schemas.openxmlformats.org/presentationml/2006/main">
   <p:cSld>
     <p:spTree>
@@ -3840,7 +3978,7 @@
           <a:p>
             <a:r>
               <a:rPr lang="zh-CN" altLang="en-US" dirty="0"/>
-              <a:t>分析：由于该接口登陆用户都可以访问，只是返回的数据集合不一样，因此不适合直接使用 </a:t>
+              <a:t>分析：由于该接口登录用户都可以访问，只是返回的数据集合不一样，因此不适合直接使用 </a:t>
             </a:r>
             <a:r>
               <a:rPr lang="en-US" altLang="zh-CN" dirty="0"/>
@@ -4157,7 +4295,7 @@
 </p:sld>
 </file>
 
-<file path=ppt/slides/slide13.xml><?xml version="1.0" encoding="utf-8"?>
+<file path=ppt/slides/slide14.xml><?xml version="1.0" encoding="utf-8"?>
 <p:sld xmlns:a="http://schemas.openxmlformats.org/drawingml/2006/main" xmlns:r="http://schemas.openxmlformats.org/officeDocument/2006/relationships" xmlns:p="http://schemas.openxmlformats.org/presentationml/2006/main">
   <p:cSld>
     <p:spTree>
@@ -4384,14 +4522,13 @@
           <a:p>
             <a:pPr algn="ctr"/>
             <a:r>
-              <a:rPr lang="en-US" altLang="zh-CN" sz="2400" smtClean="0"/>
+              <a:rPr lang="en-US" altLang="zh-CN" sz="2400"/>
               <a:t>salt | ********</a:t>
             </a:r>
             <a:r>
-              <a:rPr lang="zh-CN" altLang="en-US" sz="2400" smtClean="0"/>
+              <a:rPr lang="zh-CN" altLang="en-US" sz="2400"/>
               <a:t>***</a:t>
             </a:r>
-            <a:endParaRPr lang="zh-CN" altLang="en-US" sz="2400"/>
           </a:p>
         </p:txBody>
       </p:sp>
@@ -4431,7 +4568,7 @@
           <a:p>
             <a:pPr algn="ctr"/>
             <a:r>
-              <a:rPr lang="en-US" altLang="zh-CN" sz="2400" smtClean="0"/>
+              <a:rPr lang="en-US" altLang="zh-CN" sz="2400"/>
               <a:t>raw password</a:t>
             </a:r>
             <a:endParaRPr lang="zh-CN" altLang="en-US" sz="2400"/>
@@ -4479,7 +4616,7 @@
           <a:p>
             <a:pPr algn="ctr"/>
             <a:r>
-              <a:rPr lang="en-US" altLang="zh-CN" sz="2400" smtClean="0"/>
+              <a:rPr lang="en-US" altLang="zh-CN" sz="2400"/>
               <a:t>encoded password</a:t>
             </a:r>
             <a:endParaRPr lang="zh-CN" altLang="en-US" sz="2400"/>
@@ -4586,7 +4723,7 @@
           <a:lstStyle/>
           <a:p>
             <a:r>
-              <a:rPr lang="en-US" altLang="zh-CN" sz="2800" smtClean="0"/>
+              <a:rPr lang="en-US" altLang="zh-CN" sz="2800"/>
               <a:t>Verify</a:t>
             </a:r>
             <a:endParaRPr lang="zh-CN" altLang="en-US" sz="2800"/>
@@ -4636,7 +4773,7 @@
           <a:p>
             <a:pPr algn="ctr"/>
             <a:r>
-              <a:rPr lang="en-US" altLang="zh-CN" sz="2400" smtClean="0"/>
+              <a:rPr lang="en-US" altLang="zh-CN" sz="2400"/>
               <a:t>raw password</a:t>
             </a:r>
             <a:endParaRPr lang="zh-CN" altLang="en-US" sz="2400"/>
@@ -4688,7 +4825,7 @@
           <a:p>
             <a:pPr algn="ctr"/>
             <a:r>
-              <a:rPr lang="en-US" altLang="zh-CN" sz="2400" smtClean="0"/>
+              <a:rPr lang="en-US" altLang="zh-CN" sz="2400"/>
               <a:t>salt</a:t>
             </a:r>
             <a:endParaRPr lang="zh-CN" altLang="en-US" sz="2400"/>
@@ -4779,14 +4916,13 @@
           <a:p>
             <a:pPr algn="ctr"/>
             <a:r>
-              <a:rPr lang="en-US" altLang="zh-CN" sz="2400" smtClean="0"/>
+              <a:rPr lang="en-US" altLang="zh-CN" sz="2400"/>
               <a:t>salt | ********</a:t>
             </a:r>
             <a:r>
-              <a:rPr lang="zh-CN" altLang="en-US" sz="2400" smtClean="0"/>
+              <a:rPr lang="zh-CN" altLang="en-US" sz="2400"/>
               <a:t>***</a:t>
             </a:r>
-            <a:endParaRPr lang="zh-CN" altLang="en-US" sz="2400"/>
           </a:p>
         </p:txBody>
       </p:sp>
@@ -4874,7 +5010,7 @@
           <a:p>
             <a:pPr algn="ctr"/>
             <a:r>
-              <a:rPr lang="en-US" altLang="zh-CN" sz="2400" smtClean="0"/>
+              <a:rPr lang="en-US" altLang="zh-CN" sz="2400"/>
               <a:t>salt</a:t>
             </a:r>
             <a:endParaRPr lang="zh-CN" altLang="en-US" sz="2400"/>
@@ -5104,10 +5240,9 @@
           <a:lstStyle/>
           <a:p>
             <a:r>
-              <a:rPr lang="zh-CN" altLang="en-US" sz="3600" smtClean="0"/>
+              <a:rPr lang="zh-CN" altLang="en-US" sz="3600"/>
               <a:t>密码加密</a:t>
             </a:r>
-            <a:endParaRPr lang="zh-CN" altLang="en-US" sz="3600"/>
           </a:p>
         </p:txBody>
       </p:sp>
@@ -5134,22 +5269,22 @@
           <a:lstStyle/>
           <a:p>
             <a:r>
-              <a:rPr lang="en-US" altLang="zh-CN" sz="2400" smtClean="0"/>
+              <a:rPr lang="en-US" altLang="zh-CN" sz="2400"/>
               <a:t>BCrypt</a:t>
             </a:r>
             <a:r>
-              <a:rPr lang="zh-CN" altLang="en-US" sz="2400" smtClean="0"/>
+              <a:rPr lang="zh-CN" altLang="en-US" sz="2400"/>
               <a:t>加密算法：</a:t>
             </a:r>
             <a:r>
-              <a:rPr lang="en-US" altLang="zh-CN" sz="2400" smtClean="0"/>
+              <a:rPr lang="en-US" altLang="zh-CN" sz="2400"/>
               <a:t>Spring Security</a:t>
             </a:r>
             <a:r>
-              <a:rPr lang="zh-CN" altLang="en-US" sz="2400" smtClean="0"/>
+              <a:rPr lang="zh-CN" altLang="en-US" sz="2400"/>
               <a:t>标准非对称加密算法</a:t>
             </a:r>
-            <a:endParaRPr lang="en-US" altLang="zh-CN" sz="2400" smtClean="0"/>
+            <a:endParaRPr lang="en-US" altLang="zh-CN" sz="2400"/>
           </a:p>
           <a:p>
             <a:pPr marL="285750" indent="-285750">
@@ -5157,10 +5292,10 @@
               <a:buChar char="Ø"/>
             </a:pPr>
             <a:r>
-              <a:rPr lang="zh-CN" altLang="en-US" sz="2400" smtClean="0"/>
+              <a:rPr lang="zh-CN" altLang="en-US" sz="2400"/>
               <a:t>随机生成盐值</a:t>
             </a:r>
-            <a:endParaRPr lang="en-US" altLang="zh-CN" sz="2400" smtClean="0"/>
+            <a:endParaRPr lang="en-US" altLang="zh-CN" sz="2400"/>
           </a:p>
           <a:p>
             <a:pPr marL="285750" indent="-285750">
@@ -5168,10 +5303,9 @@
               <a:buChar char="Ø"/>
             </a:pPr>
             <a:r>
-              <a:rPr lang="zh-CN" altLang="en-US" sz="2400" smtClean="0"/>
+              <a:rPr lang="zh-CN" altLang="en-US" sz="2400"/>
               <a:t>计算开销大</a:t>
             </a:r>
-            <a:endParaRPr lang="zh-CN" altLang="en-US" sz="2400"/>
           </a:p>
         </p:txBody>
       </p:sp>
@@ -5185,17 +5319,10 @@
   <p:clrMapOvr>
     <a:masterClrMapping/>
   </p:clrMapOvr>
-  <p:timing>
-    <p:tnLst>
-      <p:par>
-        <p:cTn id="1" dur="indefinite" restart="never" nodeType="tmRoot"/>
-      </p:par>
-    </p:tnLst>
-  </p:timing>
 </p:sld>
 </file>
 
-<file path=ppt/slides/slide14.xml><?xml version="1.0" encoding="utf-8"?>
+<file path=ppt/slides/slide15.xml><?xml version="1.0" encoding="utf-8"?>
 <p:sld xmlns:a="http://schemas.openxmlformats.org/drawingml/2006/main" xmlns:r="http://schemas.openxmlformats.org/officeDocument/2006/relationships" xmlns:p="http://schemas.openxmlformats.org/presentationml/2006/main">
   <p:cSld>
     <p:spTree>
@@ -5234,11 +5361,11 @@
           <a:lstStyle/>
           <a:p>
             <a:r>
-              <a:rPr lang="en-US" altLang="zh-CN" b="1" smtClean="0"/>
+              <a:rPr lang="en-US" altLang="zh-CN" b="1"/>
               <a:t>3.</a:t>
             </a:r>
             <a:r>
-              <a:rPr lang="zh-CN" altLang="en-US" b="1" smtClean="0"/>
+              <a:rPr lang="zh-CN" altLang="en-US" b="1"/>
               <a:t>数字证书双向认证</a:t>
             </a:r>
             <a:endParaRPr lang="zh-CN" altLang="en-US" b="1" dirty="0"/>
@@ -5283,7 +5410,7 @@
 </p:sld>
 </file>
 
-<file path=ppt/slides/slide15.xml><?xml version="1.0" encoding="utf-8"?>
+<file path=ppt/slides/slide16.xml><?xml version="1.0" encoding="utf-8"?>
 <p:sld xmlns:a="http://schemas.openxmlformats.org/drawingml/2006/main" xmlns:r="http://schemas.openxmlformats.org/officeDocument/2006/relationships" xmlns:p="http://schemas.openxmlformats.org/presentationml/2006/main">
   <p:cSld>
     <p:spTree>
@@ -5395,7 +5522,7 @@
             <a:p>
               <a:pPr algn="ctr"/>
               <a:r>
-                <a:rPr lang="en-US" altLang="zh-CN" sz="3200" smtClean="0"/>
+                <a:rPr lang="en-US" altLang="zh-CN" sz="3200"/>
                 <a:t>CA</a:t>
               </a:r>
               <a:endParaRPr lang="zh-CN" altLang="en-US" sz="3200"/>
@@ -5495,7 +5622,7 @@
               <a:p>
                 <a:pPr algn="ctr"/>
                 <a:r>
-                  <a:rPr lang="en-US" altLang="zh-CN" sz="2800" smtClean="0"/>
+                  <a:rPr lang="en-US" altLang="zh-CN" sz="2800"/>
                   <a:t>Client1</a:t>
                 </a:r>
                 <a:endParaRPr lang="zh-CN" altLang="en-US" sz="2800"/>
@@ -5543,7 +5670,7 @@
               <a:p>
                 <a:pPr algn="ctr"/>
                 <a:r>
-                  <a:rPr lang="en-US" altLang="zh-CN" sz="2000" smtClean="0"/>
+                  <a:rPr lang="en-US" altLang="zh-CN" sz="2000"/>
                   <a:t>client1 cert</a:t>
                 </a:r>
                 <a:endParaRPr lang="zh-CN" altLang="en-US" sz="2000"/>
@@ -5591,7 +5718,7 @@
               <a:p>
                 <a:pPr algn="ctr"/>
                 <a:r>
-                  <a:rPr lang="en-US" altLang="zh-CN" sz="2000" smtClean="0"/>
+                  <a:rPr lang="en-US" altLang="zh-CN" sz="2000"/>
                   <a:t>secret key</a:t>
                 </a:r>
                 <a:endParaRPr lang="zh-CN" altLang="en-US" sz="2000"/>
@@ -5779,7 +5906,7 @@
                 <a:lstStyle/>
                 <a:p>
                   <a:r>
-                    <a:rPr lang="en-US" altLang="zh-CN" sz="3200" smtClean="0">
+                    <a:rPr lang="en-US" altLang="zh-CN" sz="3200">
                       <a:solidFill>
                         <a:schemeClr val="bg1"/>
                       </a:solidFill>
@@ -5874,7 +6001,7 @@
                 <a:p>
                   <a:pPr algn="ctr"/>
                   <a:r>
-                    <a:rPr lang="en-US" altLang="zh-CN" sz="2000" smtClean="0"/>
+                    <a:rPr lang="en-US" altLang="zh-CN" sz="2000"/>
                     <a:t>server cert</a:t>
                   </a:r>
                   <a:endParaRPr lang="zh-CN" altLang="en-US" sz="2000"/>
@@ -5922,7 +6049,7 @@
                 <a:p>
                   <a:pPr algn="ctr"/>
                   <a:r>
-                    <a:rPr lang="en-US" altLang="zh-CN" sz="2000" smtClean="0"/>
+                    <a:rPr lang="en-US" altLang="zh-CN" sz="2000"/>
                     <a:t>secret key</a:t>
                   </a:r>
                   <a:endParaRPr lang="zh-CN" altLang="en-US" sz="2000"/>
@@ -5965,7 +6092,7 @@
               <a:p>
                 <a:pPr algn="ctr"/>
                 <a:r>
-                  <a:rPr lang="en-US" altLang="zh-CN" sz="2800" smtClean="0"/>
+                  <a:rPr lang="en-US" altLang="zh-CN" sz="2800"/>
                   <a:t>Server</a:t>
                 </a:r>
                 <a:endParaRPr lang="zh-CN" altLang="en-US" sz="2800"/>
@@ -6067,7 +6194,7 @@
                 <a:p>
                   <a:pPr algn="ctr"/>
                   <a:r>
-                    <a:rPr lang="en-US" altLang="zh-CN" sz="2000" smtClean="0"/>
+                    <a:rPr lang="en-US" altLang="zh-CN" sz="2000"/>
                     <a:t>server cert</a:t>
                   </a:r>
                   <a:endParaRPr lang="zh-CN" altLang="en-US" sz="2000"/>
@@ -6096,7 +6223,7 @@
                 <a:lstStyle/>
                 <a:p>
                   <a:r>
-                    <a:rPr lang="en-US" altLang="zh-CN" sz="3200" smtClean="0">
+                    <a:rPr lang="en-US" altLang="zh-CN" sz="3200">
                       <a:solidFill>
                         <a:schemeClr val="bg1"/>
                       </a:solidFill>
@@ -6152,7 +6279,7 @@
                 <a:p>
                   <a:pPr algn="ctr"/>
                   <a:r>
-                    <a:rPr lang="en-US" altLang="zh-CN" sz="2000" smtClean="0"/>
+                    <a:rPr lang="en-US" altLang="zh-CN" sz="2000"/>
                     <a:t>client1 cert</a:t>
                   </a:r>
                   <a:endParaRPr lang="zh-CN" altLang="en-US" sz="2000"/>
@@ -6200,7 +6327,7 @@
                 <a:p>
                   <a:pPr algn="ctr"/>
                   <a:r>
-                    <a:rPr lang="en-US" altLang="zh-CN" sz="2000" smtClean="0"/>
+                    <a:rPr lang="en-US" altLang="zh-CN" sz="2000"/>
                     <a:t>client2 cert</a:t>
                   </a:r>
                   <a:endParaRPr lang="zh-CN" altLang="en-US" sz="2000"/>
@@ -6248,7 +6375,7 @@
                 <a:p>
                   <a:pPr algn="ctr"/>
                   <a:r>
-                    <a:rPr lang="en-US" altLang="zh-CN" sz="2000" smtClean="0"/>
+                    <a:rPr lang="en-US" altLang="zh-CN" sz="2000"/>
                     <a:t>client3 cert</a:t>
                   </a:r>
                   <a:endParaRPr lang="zh-CN" altLang="en-US" sz="2000"/>
@@ -6350,7 +6477,7 @@
               <a:p>
                 <a:pPr algn="ctr"/>
                 <a:r>
-                  <a:rPr lang="en-US" altLang="zh-CN" sz="2800" smtClean="0"/>
+                  <a:rPr lang="en-US" altLang="zh-CN" sz="2800"/>
                   <a:t>Client2</a:t>
                 </a:r>
                 <a:endParaRPr lang="zh-CN" altLang="en-US" sz="2800"/>
@@ -6398,7 +6525,7 @@
               <a:p>
                 <a:pPr algn="ctr"/>
                 <a:r>
-                  <a:rPr lang="en-US" altLang="zh-CN" sz="2000" smtClean="0"/>
+                  <a:rPr lang="en-US" altLang="zh-CN" sz="2000"/>
                   <a:t>client2 cert</a:t>
                 </a:r>
                 <a:endParaRPr lang="zh-CN" altLang="en-US" sz="2000"/>
@@ -6446,7 +6573,7 @@
               <a:p>
                 <a:pPr algn="ctr"/>
                 <a:r>
-                  <a:rPr lang="en-US" altLang="zh-CN" sz="2000" smtClean="0"/>
+                  <a:rPr lang="en-US" altLang="zh-CN" sz="2000"/>
                   <a:t>secret key</a:t>
                 </a:r>
                 <a:endParaRPr lang="zh-CN" altLang="en-US" sz="2000"/>
@@ -6698,18 +6825,14 @@
               <a:buChar char="l"/>
             </a:pPr>
             <a:r>
-              <a:rPr lang="en-US" altLang="zh-CN" sz="2400" smtClean="0"/>
+              <a:rPr lang="en-US" altLang="zh-CN" sz="2400"/>
               <a:t>keystore</a:t>
             </a:r>
             <a:r>
               <a:rPr lang="zh-CN" altLang="en-US" sz="2400"/>
-              <a:t>：数字证书管理仓库，存储公私</a:t>
-            </a:r>
-            <a:r>
-              <a:rPr lang="zh-CN" altLang="en-US" sz="2400" smtClean="0"/>
-              <a:t>密钥对</a:t>
-            </a:r>
-            <a:endParaRPr lang="en-US" altLang="zh-CN" sz="2400" smtClean="0"/>
+              <a:t>：数字证书管理仓库，存储公私密钥对</a:t>
+            </a:r>
+            <a:endParaRPr lang="en-US" altLang="zh-CN" sz="2400"/>
           </a:p>
           <a:p>
             <a:pPr marL="285750" indent="-285750">
@@ -6717,14 +6840,13 @@
               <a:buChar char="l"/>
             </a:pPr>
             <a:r>
-              <a:rPr lang="en-US" altLang="zh-CN" sz="2400" smtClean="0"/>
+              <a:rPr lang="en-US" altLang="zh-CN" sz="2400"/>
               <a:t>truststore</a:t>
             </a:r>
             <a:r>
-              <a:rPr lang="zh-CN" altLang="en-US" sz="2400" smtClean="0"/>
+              <a:rPr lang="zh-CN" altLang="en-US" sz="2400"/>
               <a:t>：存储可信数字证书的仓库（不包含私钥）</a:t>
             </a:r>
-            <a:endParaRPr lang="zh-CN" altLang="en-US" sz="2400"/>
           </a:p>
         </p:txBody>
       </p:sp>
@@ -6751,18 +6873,17 @@
           <a:lstStyle/>
           <a:p>
             <a:r>
-              <a:rPr lang="zh-CN" altLang="en-US" sz="3200" smtClean="0"/>
+              <a:rPr lang="zh-CN" altLang="en-US" sz="3200"/>
               <a:t>数字证书实现双向认证（</a:t>
             </a:r>
             <a:r>
-              <a:rPr lang="en-US" altLang="zh-CN" sz="3200" smtClean="0"/>
+              <a:rPr lang="en-US" altLang="zh-CN" sz="3200"/>
               <a:t>Mutal Authentication</a:t>
             </a:r>
             <a:r>
-              <a:rPr lang="zh-CN" altLang="en-US" sz="3200" smtClean="0"/>
+              <a:rPr lang="zh-CN" altLang="en-US" sz="3200"/>
               <a:t>）</a:t>
             </a:r>
-            <a:endParaRPr lang="zh-CN" altLang="en-US" sz="3200"/>
           </a:p>
         </p:txBody>
       </p:sp>
@@ -6805,10 +6926,9 @@
           <a:p>
             <a:pPr algn="ctr"/>
             <a:r>
-              <a:rPr lang="zh-CN" altLang="en-US" sz="2800" smtClean="0"/>
+              <a:rPr lang="zh-CN" altLang="en-US" sz="2800"/>
               <a:t>服务器如何设别客户端身份？</a:t>
             </a:r>
-            <a:endParaRPr lang="zh-CN" altLang="en-US" sz="2800"/>
           </a:p>
         </p:txBody>
       </p:sp>
@@ -6822,17 +6942,10 @@
   <p:clrMapOvr>
     <a:masterClrMapping/>
   </p:clrMapOvr>
-  <p:timing>
-    <p:tnLst>
-      <p:par>
-        <p:cTn id="1" dur="indefinite" restart="never" nodeType="tmRoot"/>
-      </p:par>
-    </p:tnLst>
-  </p:timing>
 </p:sld>
 </file>
 
-<file path=ppt/slides/slide16.xml><?xml version="1.0" encoding="utf-8"?>
+<file path=ppt/slides/slide17.xml><?xml version="1.0" encoding="utf-8"?>
 <p:sld xmlns:a="http://schemas.openxmlformats.org/drawingml/2006/main" xmlns:r="http://schemas.openxmlformats.org/officeDocument/2006/relationships" xmlns:p="http://schemas.openxmlformats.org/presentationml/2006/main">
   <p:cSld>
     <p:spTree>
@@ -6876,10 +6989,10 @@
               <a:buAutoNum type="arabicPeriod"/>
             </a:pPr>
             <a:r>
-              <a:rPr lang="zh-CN" altLang="en-US" sz="2400" smtClean="0"/>
+              <a:rPr lang="zh-CN" altLang="en-US" sz="2400"/>
               <a:t>签发证书</a:t>
             </a:r>
-            <a:endParaRPr lang="en-US" altLang="zh-CN" sz="2400" smtClean="0"/>
+            <a:endParaRPr lang="en-US" altLang="zh-CN" sz="2400"/>
           </a:p>
           <a:p>
             <a:pPr marL="914400" lvl="1" indent="-457200">
@@ -6887,14 +7000,14 @@
               <a:buChar char="Ø"/>
             </a:pPr>
             <a:r>
-              <a:rPr lang="en-US" altLang="zh-CN" sz="2400" smtClean="0"/>
+              <a:rPr lang="en-US" altLang="zh-CN" sz="2400"/>
               <a:t>CA</a:t>
             </a:r>
             <a:r>
-              <a:rPr lang="zh-CN" altLang="en-US" sz="2400" smtClean="0"/>
+              <a:rPr lang="zh-CN" altLang="en-US" sz="2400"/>
               <a:t>签发服务器证书</a:t>
             </a:r>
-            <a:endParaRPr lang="en-US" altLang="zh-CN" sz="2400" smtClean="0"/>
+            <a:endParaRPr lang="en-US" altLang="zh-CN" sz="2400"/>
           </a:p>
           <a:p>
             <a:pPr marL="914400" lvl="1" indent="-457200">
@@ -6902,11 +7015,11 @@
               <a:buChar char="Ø"/>
             </a:pPr>
             <a:r>
-              <a:rPr lang="zh-CN" altLang="en-US" sz="2400" smtClean="0"/>
+              <a:rPr lang="zh-CN" altLang="en-US" sz="2400"/>
               <a:t>将服务器公私密钥对导入</a:t>
             </a:r>
             <a:r>
-              <a:rPr lang="en-US" altLang="zh-CN" sz="2400" smtClean="0"/>
+              <a:rPr lang="en-US" altLang="zh-CN" sz="2400"/>
               <a:t>keystore</a:t>
             </a:r>
           </a:p>
@@ -6916,14 +7029,14 @@
               <a:buChar char="Ø"/>
             </a:pPr>
             <a:r>
-              <a:rPr lang="en-US" altLang="zh-CN" sz="2400" smtClean="0"/>
+              <a:rPr lang="en-US" altLang="zh-CN" sz="2400"/>
               <a:t>CA</a:t>
             </a:r>
             <a:r>
-              <a:rPr lang="zh-CN" altLang="en-US" sz="2400" smtClean="0"/>
+              <a:rPr lang="zh-CN" altLang="en-US" sz="2400"/>
               <a:t>签发客户端证书</a:t>
             </a:r>
-            <a:endParaRPr lang="en-US" altLang="zh-CN" sz="2400" smtClean="0"/>
+            <a:endParaRPr lang="en-US" altLang="zh-CN" sz="2400"/>
           </a:p>
           <a:p>
             <a:pPr marL="914400" lvl="1" indent="-457200">
@@ -6931,11 +7044,11 @@
               <a:buChar char="Ø"/>
             </a:pPr>
             <a:r>
-              <a:rPr lang="zh-CN" altLang="en-US" sz="2400" smtClean="0"/>
+              <a:rPr lang="zh-CN" altLang="en-US" sz="2400"/>
               <a:t>将服务器、客户端证书导入</a:t>
             </a:r>
             <a:r>
-              <a:rPr lang="en-US" altLang="zh-CN" sz="2400" smtClean="0"/>
+              <a:rPr lang="en-US" altLang="zh-CN" sz="2400"/>
               <a:t>truststore</a:t>
             </a:r>
           </a:p>
@@ -6945,30 +7058,29 @@
               <a:buAutoNum type="arabicPeriod"/>
             </a:pPr>
             <a:r>
-              <a:rPr lang="zh-CN" altLang="en-US" sz="2400" smtClean="0"/>
+              <a:rPr lang="zh-CN" altLang="en-US" sz="2400"/>
               <a:t>用</a:t>
             </a:r>
             <a:r>
-              <a:rPr lang="en-US" altLang="zh-CN" sz="2400" smtClean="0"/>
+              <a:rPr lang="en-US" altLang="zh-CN" sz="2400"/>
               <a:t>keystore</a:t>
             </a:r>
             <a:r>
-              <a:rPr lang="zh-CN" altLang="en-US" sz="2400" smtClean="0"/>
+              <a:rPr lang="zh-CN" altLang="en-US" sz="2400"/>
               <a:t>和</a:t>
             </a:r>
             <a:r>
-              <a:rPr lang="en-US" altLang="zh-CN" sz="2400" smtClean="0"/>
+              <a:rPr lang="en-US" altLang="zh-CN" sz="2400"/>
               <a:t>truststore</a:t>
             </a:r>
             <a:r>
-              <a:rPr lang="zh-CN" altLang="en-US" sz="2400" smtClean="0"/>
+              <a:rPr lang="zh-CN" altLang="en-US" sz="2400"/>
               <a:t>配置</a:t>
             </a:r>
             <a:r>
-              <a:rPr lang="en-US" altLang="zh-CN" sz="2400" smtClean="0"/>
+              <a:rPr lang="en-US" altLang="zh-CN" sz="2400"/>
               <a:t>spring boot</a:t>
             </a:r>
-            <a:endParaRPr lang="en-US" altLang="zh-CN" sz="2400"/>
           </a:p>
           <a:p>
             <a:pPr marL="457200" indent="-457200">
@@ -6976,11 +7088,11 @@
               <a:buAutoNum type="arabicPeriod"/>
             </a:pPr>
             <a:r>
-              <a:rPr lang="zh-CN" altLang="en-US" sz="2400" smtClean="0"/>
+              <a:rPr lang="zh-CN" altLang="en-US" sz="2400"/>
               <a:t>配置</a:t>
             </a:r>
             <a:r>
-              <a:rPr lang="en-US" altLang="zh-CN" sz="2400" smtClean="0"/>
+              <a:rPr lang="en-US" altLang="zh-CN" sz="2400"/>
               <a:t>spring security</a:t>
             </a:r>
             <a:endParaRPr lang="zh-CN" altLang="en-US" sz="2400"/>
@@ -7010,18 +7122,17 @@
           <a:lstStyle/>
           <a:p>
             <a:r>
-              <a:rPr lang="zh-CN" altLang="en-US" sz="3200" smtClean="0"/>
+              <a:rPr lang="zh-CN" altLang="en-US" sz="3200"/>
               <a:t>数字证书实现双向认证（</a:t>
             </a:r>
             <a:r>
-              <a:rPr lang="en-US" altLang="zh-CN" sz="3200" smtClean="0"/>
+              <a:rPr lang="en-US" altLang="zh-CN" sz="3200"/>
               <a:t>Mutal Authentication</a:t>
             </a:r>
             <a:r>
-              <a:rPr lang="zh-CN" altLang="en-US" sz="3200" smtClean="0"/>
+              <a:rPr lang="zh-CN" altLang="en-US" sz="3200"/>
               <a:t>）</a:t>
             </a:r>
-            <a:endParaRPr lang="zh-CN" altLang="en-US" sz="3200"/>
           </a:p>
         </p:txBody>
       </p:sp>
@@ -7130,7 +7241,7 @@
           <a:p>
             <a:pPr algn="ctr"/>
             <a:r>
-              <a:rPr lang="en-US" altLang="zh-CN" sz="2400" smtClean="0"/>
+              <a:rPr lang="en-US" altLang="zh-CN" sz="2400"/>
               <a:t>X509 UserContext</a:t>
             </a:r>
             <a:endParaRPr lang="zh-CN" altLang="en-US" sz="2400"/>
@@ -7178,7 +7289,7 @@
           <a:p>
             <a:pPr algn="ctr"/>
             <a:r>
-              <a:rPr lang="en-US" altLang="zh-CN" sz="2400" smtClean="0"/>
+              <a:rPr lang="en-US" altLang="zh-CN" sz="2400"/>
               <a:t>Login UserContext</a:t>
             </a:r>
             <a:endParaRPr lang="zh-CN" altLang="en-US" sz="2400"/>
@@ -7208,7 +7319,7 @@
           <a:lstStyle/>
           <a:p>
             <a:r>
-              <a:rPr lang="en-US" altLang="zh-CN" sz="3200" smtClean="0">
+              <a:rPr lang="en-US" altLang="zh-CN" sz="3200">
                 <a:solidFill>
                   <a:schemeClr val="bg1"/>
                 </a:solidFill>
@@ -7227,245 +7338,6 @@
     <p:extLst>
       <p:ext uri="{BB962C8B-B14F-4D97-AF65-F5344CB8AC3E}">
         <p14:creationId xmlns:p14="http://schemas.microsoft.com/office/powerpoint/2010/main" val="38483234"/>
-      </p:ext>
-    </p:extLst>
-  </p:cSld>
-  <p:clrMapOvr>
-    <a:masterClrMapping/>
-  </p:clrMapOvr>
-  <p:timing>
-    <p:tnLst>
-      <p:par>
-        <p:cTn id="1" dur="indefinite" restart="never" nodeType="tmRoot"/>
-      </p:par>
-    </p:tnLst>
-  </p:timing>
-</p:sld>
-</file>
-
-<file path=ppt/slides/slide17.xml><?xml version="1.0" encoding="utf-8"?>
-<p:sld xmlns:a="http://schemas.openxmlformats.org/drawingml/2006/main" xmlns:r="http://schemas.openxmlformats.org/officeDocument/2006/relationships" xmlns:p="http://schemas.openxmlformats.org/presentationml/2006/main">
-  <p:cSld>
-    <p:spTree>
-      <p:nvGrpSpPr>
-        <p:cNvPr id="1" name=""/>
-        <p:cNvGrpSpPr/>
-        <p:nvPr/>
-      </p:nvGrpSpPr>
-      <p:grpSpPr>
-        <a:xfrm>
-          <a:off x="0" y="0"/>
-          <a:ext cx="0" cy="0"/>
-          <a:chOff x="0" y="0"/>
-          <a:chExt cx="0" cy="0"/>
-        </a:xfrm>
-      </p:grpSpPr>
-      <p:sp>
-        <p:nvSpPr>
-          <p:cNvPr id="2" name="文本框 1"/>
-          <p:cNvSpPr txBox="1"/>
-          <p:nvPr/>
-        </p:nvSpPr>
-        <p:spPr>
-          <a:xfrm>
-            <a:off x="471054" y="1967345"/>
-            <a:ext cx="5126182" cy="3046988"/>
-          </a:xfrm>
-          <a:prstGeom prst="rect">
-            <a:avLst/>
-          </a:prstGeom>
-          <a:noFill/>
-        </p:spPr>
-        <p:txBody>
-          <a:bodyPr wrap="square" rtlCol="0">
-            <a:spAutoFit/>
-          </a:bodyPr>
-          <a:lstStyle/>
-          <a:p>
-            <a:r>
-              <a:rPr lang="zh-CN" altLang="en-US" sz="2400"/>
-              <a:t>优点</a:t>
-            </a:r>
-            <a:r>
-              <a:rPr lang="zh-CN" altLang="en-US" sz="2400" smtClean="0"/>
-              <a:t>：</a:t>
-            </a:r>
-            <a:endParaRPr lang="zh-CN" altLang="en-US" sz="2400"/>
-          </a:p>
-          <a:p>
-            <a:r>
-              <a:rPr lang="en-US" altLang="zh-CN" sz="2400"/>
-              <a:t>1. </a:t>
-            </a:r>
-            <a:r>
-              <a:rPr lang="zh-CN" altLang="en-US" sz="2400"/>
-              <a:t>数字证书的密钥的安全强度远远超过用户自定义的密码强度，安全性更加有保障；</a:t>
-            </a:r>
-          </a:p>
-          <a:p>
-            <a:r>
-              <a:rPr lang="en-US" altLang="zh-CN" sz="2400"/>
-              <a:t>2. </a:t>
-            </a:r>
-            <a:r>
-              <a:rPr lang="zh-CN" altLang="en-US" sz="2400"/>
-              <a:t>由于可信数字证书都存储在</a:t>
-            </a:r>
-            <a:r>
-              <a:rPr lang="en-US" altLang="zh-CN" sz="2400"/>
-              <a:t>truststore</a:t>
-            </a:r>
-            <a:r>
-              <a:rPr lang="zh-CN" altLang="en-US" sz="2400"/>
-              <a:t>中，通过数字证书能轻易识别认证客户端的身份；</a:t>
-            </a:r>
-          </a:p>
-          <a:p>
-            <a:r>
-              <a:rPr lang="en-US" altLang="zh-CN" sz="2400"/>
-              <a:t>3. </a:t>
-            </a:r>
-            <a:r>
-              <a:rPr lang="zh-CN" altLang="en-US" sz="2400"/>
-              <a:t>没有忘记密码的</a:t>
-            </a:r>
-            <a:r>
-              <a:rPr lang="zh-CN" altLang="en-US" sz="2400"/>
-              <a:t>风险</a:t>
-            </a:r>
-            <a:r>
-              <a:rPr lang="zh-CN" altLang="en-US" sz="2400" smtClean="0"/>
-              <a:t>；</a:t>
-            </a:r>
-            <a:endParaRPr lang="zh-CN" altLang="en-US" sz="2400"/>
-          </a:p>
-        </p:txBody>
-      </p:sp>
-      <p:sp>
-        <p:nvSpPr>
-          <p:cNvPr id="3" name="矩形 2"/>
-          <p:cNvSpPr/>
-          <p:nvPr/>
-        </p:nvSpPr>
-        <p:spPr>
-          <a:xfrm>
-            <a:off x="5735782" y="1776120"/>
-            <a:ext cx="6096000" cy="4154984"/>
-          </a:xfrm>
-          <a:prstGeom prst="rect">
-            <a:avLst/>
-          </a:prstGeom>
-        </p:spPr>
-        <p:txBody>
-          <a:bodyPr>
-            <a:spAutoFit/>
-          </a:bodyPr>
-          <a:lstStyle/>
-          <a:p>
-            <a:r>
-              <a:rPr lang="zh-CN" altLang="en-US" sz="2400"/>
-              <a:t>缺点</a:t>
-            </a:r>
-            <a:r>
-              <a:rPr lang="zh-CN" altLang="en-US" sz="2400" smtClean="0"/>
-              <a:t>：</a:t>
-            </a:r>
-            <a:endParaRPr lang="zh-CN" altLang="en-US" sz="2400"/>
-          </a:p>
-          <a:p>
-            <a:r>
-              <a:rPr lang="en-US" altLang="zh-CN" sz="2400"/>
-              <a:t>1. </a:t>
-            </a:r>
-            <a:r>
-              <a:rPr lang="zh-CN" altLang="en-US" sz="2400"/>
-              <a:t>由于</a:t>
-            </a:r>
-            <a:r>
-              <a:rPr lang="en-US" altLang="zh-CN" sz="2400"/>
-              <a:t>truststore</a:t>
-            </a:r>
-            <a:r>
-              <a:rPr lang="zh-CN" altLang="en-US" sz="2400"/>
-              <a:t>存储了所有可信客户端的证书，每当有新用户接入时，都需要把证书安装到</a:t>
-            </a:r>
-            <a:r>
-              <a:rPr lang="en-US" altLang="zh-CN" sz="2400"/>
-              <a:t>truststore</a:t>
-            </a:r>
-            <a:r>
-              <a:rPr lang="zh-CN" altLang="en-US" sz="2400"/>
-              <a:t>中。当用户规模很大时，使用这种方式会增加用户证书管理的复杂度；</a:t>
-            </a:r>
-          </a:p>
-          <a:p>
-            <a:r>
-              <a:rPr lang="en-US" altLang="zh-CN" sz="2400"/>
-              <a:t>2. </a:t>
-            </a:r>
-            <a:r>
-              <a:rPr lang="zh-CN" altLang="en-US" sz="2400"/>
-              <a:t>用户的数字证书安装在特定的物理设备上，只能使用特定的物理设备登录认证。在公共场所的互联网设施上无法使用数字证书双向认证；</a:t>
-            </a:r>
-          </a:p>
-          <a:p>
-            <a:r>
-              <a:rPr lang="en-US" altLang="zh-CN" sz="2400"/>
-              <a:t>3. </a:t>
-            </a:r>
-            <a:r>
-              <a:rPr lang="zh-CN" altLang="en-US" sz="2400"/>
-              <a:t>需要有高效的机制从</a:t>
-            </a:r>
-            <a:r>
-              <a:rPr lang="en-US" altLang="zh-CN" sz="2400"/>
-              <a:t>truststore</a:t>
-            </a:r>
-            <a:r>
-              <a:rPr lang="zh-CN" altLang="en-US" sz="2400"/>
-              <a:t>中撤销客户端证书；</a:t>
-            </a:r>
-          </a:p>
-        </p:txBody>
-      </p:sp>
-      <p:sp>
-        <p:nvSpPr>
-          <p:cNvPr id="4" name="文本框 3"/>
-          <p:cNvSpPr txBox="1"/>
-          <p:nvPr/>
-        </p:nvSpPr>
-        <p:spPr>
-          <a:xfrm>
-            <a:off x="471054" y="594726"/>
-            <a:ext cx="8981253" cy="584775"/>
-          </a:xfrm>
-          <a:prstGeom prst="rect">
-            <a:avLst/>
-          </a:prstGeom>
-          <a:noFill/>
-        </p:spPr>
-        <p:txBody>
-          <a:bodyPr wrap="square" rtlCol="0">
-            <a:spAutoFit/>
-          </a:bodyPr>
-          <a:lstStyle/>
-          <a:p>
-            <a:r>
-              <a:rPr lang="zh-CN" altLang="en-US" sz="3200" smtClean="0"/>
-              <a:t>数字</a:t>
-            </a:r>
-            <a:r>
-              <a:rPr lang="zh-CN" altLang="en-US" sz="3200" smtClean="0"/>
-              <a:t>证书双向认证优缺点</a:t>
-            </a:r>
-            <a:endParaRPr lang="zh-CN" altLang="en-US" sz="3200"/>
-          </a:p>
-        </p:txBody>
-      </p:sp>
-    </p:spTree>
-    <p:extLst>
-      <p:ext uri="{BB962C8B-B14F-4D97-AF65-F5344CB8AC3E}">
-        <p14:creationId xmlns:p14="http://schemas.microsoft.com/office/powerpoint/2010/main" val="3703341407"/>
       </p:ext>
     </p:extLst>
   </p:cSld>
@@ -7492,6 +7364,827 @@
           <a:chExt cx="0" cy="0"/>
         </a:xfrm>
       </p:grpSpPr>
+      <p:pic>
+        <p:nvPicPr>
+          <p:cNvPr id="2" name="图片 1"/>
+          <p:cNvPicPr>
+            <a:picLocks noChangeAspect="1"/>
+          </p:cNvPicPr>
+          <p:nvPr/>
+        </p:nvPicPr>
+        <p:blipFill>
+          <a:blip r:embed="rId2">
+            <a:extLst>
+              <a:ext uri="{28A0092B-C50C-407E-A947-70E740481C1C}">
+                <a14:useLocalDpi xmlns:a14="http://schemas.microsoft.com/office/drawing/2010/main" val="0"/>
+              </a:ext>
+            </a:extLst>
+          </a:blip>
+          <a:stretch>
+            <a:fillRect/>
+          </a:stretch>
+        </p:blipFill>
+        <p:spPr>
+          <a:xfrm>
+            <a:off x="210416" y="1237816"/>
+            <a:ext cx="6462116" cy="3682711"/>
+          </a:xfrm>
+          <a:prstGeom prst="rect">
+            <a:avLst/>
+          </a:prstGeom>
+        </p:spPr>
+      </p:pic>
+      <p:pic>
+        <p:nvPicPr>
+          <p:cNvPr id="3" name="图片 2"/>
+          <p:cNvPicPr>
+            <a:picLocks noChangeAspect="1"/>
+          </p:cNvPicPr>
+          <p:nvPr/>
+        </p:nvPicPr>
+        <p:blipFill>
+          <a:blip r:embed="rId3">
+            <a:extLst>
+              <a:ext uri="{28A0092B-C50C-407E-A947-70E740481C1C}">
+                <a14:useLocalDpi xmlns:a14="http://schemas.microsoft.com/office/drawing/2010/main" val="0"/>
+              </a:ext>
+            </a:extLst>
+          </a:blip>
+          <a:stretch>
+            <a:fillRect/>
+          </a:stretch>
+        </p:blipFill>
+        <p:spPr>
+          <a:xfrm>
+            <a:off x="8362516" y="3957205"/>
+            <a:ext cx="2809875" cy="2628900"/>
+          </a:xfrm>
+          <a:prstGeom prst="rect">
+            <a:avLst/>
+          </a:prstGeom>
+        </p:spPr>
+      </p:pic>
+      <p:pic>
+        <p:nvPicPr>
+          <p:cNvPr id="4" name="图片 3"/>
+          <p:cNvPicPr>
+            <a:picLocks noChangeAspect="1"/>
+          </p:cNvPicPr>
+          <p:nvPr/>
+        </p:nvPicPr>
+        <p:blipFill>
+          <a:blip r:embed="rId4">
+            <a:extLst>
+              <a:ext uri="{28A0092B-C50C-407E-A947-70E740481C1C}">
+                <a14:useLocalDpi xmlns:a14="http://schemas.microsoft.com/office/drawing/2010/main" val="0"/>
+              </a:ext>
+            </a:extLst>
+          </a:blip>
+          <a:stretch>
+            <a:fillRect/>
+          </a:stretch>
+        </p:blipFill>
+        <p:spPr>
+          <a:xfrm>
+            <a:off x="7657667" y="1237816"/>
+            <a:ext cx="4219575" cy="1362075"/>
+          </a:xfrm>
+          <a:prstGeom prst="rect">
+            <a:avLst/>
+          </a:prstGeom>
+        </p:spPr>
+      </p:pic>
+      <p:sp>
+        <p:nvSpPr>
+          <p:cNvPr id="5" name="文本框 4"/>
+          <p:cNvSpPr txBox="1"/>
+          <p:nvPr/>
+        </p:nvSpPr>
+        <p:spPr>
+          <a:xfrm>
+            <a:off x="457200" y="443345"/>
+            <a:ext cx="2382982" cy="461665"/>
+          </a:xfrm>
+          <a:prstGeom prst="rect">
+            <a:avLst/>
+          </a:prstGeom>
+          <a:noFill/>
+        </p:spPr>
+        <p:txBody>
+          <a:bodyPr wrap="square" rtlCol="0">
+            <a:spAutoFit/>
+          </a:bodyPr>
+          <a:lstStyle/>
+          <a:p>
+            <a:r>
+              <a:rPr lang="en-US" altLang="zh-CN" sz="2400" smtClean="0"/>
+              <a:t>1.</a:t>
+            </a:r>
+            <a:r>
+              <a:rPr lang="zh-CN" altLang="en-US" sz="2400" smtClean="0"/>
+              <a:t>重新访问网站</a:t>
+            </a:r>
+            <a:endParaRPr lang="zh-CN" altLang="en-US" sz="2400"/>
+          </a:p>
+        </p:txBody>
+      </p:sp>
+      <p:sp>
+        <p:nvSpPr>
+          <p:cNvPr id="6" name="文本框 5"/>
+          <p:cNvSpPr txBox="1"/>
+          <p:nvPr/>
+        </p:nvSpPr>
+        <p:spPr>
+          <a:xfrm>
+            <a:off x="7384471" y="453018"/>
+            <a:ext cx="4378037" cy="461665"/>
+          </a:xfrm>
+          <a:prstGeom prst="rect">
+            <a:avLst/>
+          </a:prstGeom>
+          <a:noFill/>
+        </p:spPr>
+        <p:txBody>
+          <a:bodyPr wrap="square" rtlCol="0">
+            <a:spAutoFit/>
+          </a:bodyPr>
+          <a:lstStyle/>
+          <a:p>
+            <a:r>
+              <a:rPr lang="en-US" altLang="zh-CN" sz="2400" smtClean="0"/>
+              <a:t>2.</a:t>
+            </a:r>
+            <a:r>
+              <a:rPr lang="zh-CN" altLang="en-US" sz="2400" smtClean="0"/>
+              <a:t>退出登录，清除用户登录状态</a:t>
+            </a:r>
+            <a:endParaRPr lang="zh-CN" altLang="en-US" sz="2400"/>
+          </a:p>
+        </p:txBody>
+      </p:sp>
+      <p:sp>
+        <p:nvSpPr>
+          <p:cNvPr id="7" name="文本框 6"/>
+          <p:cNvSpPr txBox="1"/>
+          <p:nvPr/>
+        </p:nvSpPr>
+        <p:spPr>
+          <a:xfrm>
+            <a:off x="7384470" y="3079171"/>
+            <a:ext cx="4378037" cy="461665"/>
+          </a:xfrm>
+          <a:prstGeom prst="rect">
+            <a:avLst/>
+          </a:prstGeom>
+          <a:noFill/>
+        </p:spPr>
+        <p:txBody>
+          <a:bodyPr wrap="square" rtlCol="0">
+            <a:spAutoFit/>
+          </a:bodyPr>
+          <a:lstStyle/>
+          <a:p>
+            <a:r>
+              <a:rPr lang="en-US" altLang="zh-CN" sz="2400"/>
+              <a:t>3</a:t>
+            </a:r>
+            <a:r>
+              <a:rPr lang="en-US" altLang="zh-CN" sz="2400" smtClean="0"/>
+              <a:t>.</a:t>
+            </a:r>
+            <a:r>
+              <a:rPr lang="zh-CN" altLang="en-US" sz="2400" smtClean="0"/>
+              <a:t>查看用户列表，访问成功</a:t>
+            </a:r>
+            <a:endParaRPr lang="zh-CN" altLang="en-US" sz="2400"/>
+          </a:p>
+        </p:txBody>
+      </p:sp>
+    </p:spTree>
+    <p:extLst>
+      <p:ext uri="{BB962C8B-B14F-4D97-AF65-F5344CB8AC3E}">
+        <p14:creationId xmlns:p14="http://schemas.microsoft.com/office/powerpoint/2010/main" val="1577982277"/>
+      </p:ext>
+    </p:extLst>
+  </p:cSld>
+  <p:clrMapOvr>
+    <a:masterClrMapping/>
+  </p:clrMapOvr>
+</p:sld>
+</file>
+
+<file path=ppt/slides/slide19.xml><?xml version="1.0" encoding="utf-8"?>
+<p:sld xmlns:a="http://schemas.openxmlformats.org/drawingml/2006/main" xmlns:r="http://schemas.openxmlformats.org/officeDocument/2006/relationships" xmlns:p="http://schemas.openxmlformats.org/presentationml/2006/main">
+  <p:cSld>
+    <p:spTree>
+      <p:nvGrpSpPr>
+        <p:cNvPr id="1" name=""/>
+        <p:cNvGrpSpPr/>
+        <p:nvPr/>
+      </p:nvGrpSpPr>
+      <p:grpSpPr>
+        <a:xfrm>
+          <a:off x="0" y="0"/>
+          <a:ext cx="0" cy="0"/>
+          <a:chOff x="0" y="0"/>
+          <a:chExt cx="0" cy="0"/>
+        </a:xfrm>
+      </p:grpSpPr>
+      <p:sp>
+        <p:nvSpPr>
+          <p:cNvPr id="2" name="文本框 1"/>
+          <p:cNvSpPr txBox="1"/>
+          <p:nvPr/>
+        </p:nvSpPr>
+        <p:spPr>
+          <a:xfrm>
+            <a:off x="471054" y="1967345"/>
+            <a:ext cx="5126182" cy="3046988"/>
+          </a:xfrm>
+          <a:prstGeom prst="rect">
+            <a:avLst/>
+          </a:prstGeom>
+          <a:noFill/>
+        </p:spPr>
+        <p:txBody>
+          <a:bodyPr wrap="square" rtlCol="0">
+            <a:spAutoFit/>
+          </a:bodyPr>
+          <a:lstStyle/>
+          <a:p>
+            <a:r>
+              <a:rPr lang="zh-CN" altLang="en-US" sz="2400"/>
+              <a:t>优点：</a:t>
+            </a:r>
+          </a:p>
+          <a:p>
+            <a:r>
+              <a:rPr lang="en-US" altLang="zh-CN" sz="2400"/>
+              <a:t>1. </a:t>
+            </a:r>
+            <a:r>
+              <a:rPr lang="zh-CN" altLang="en-US" sz="2400"/>
+              <a:t>数字证书的密钥的安全强度远远超过用户自定义的密码强度，安全性更加有保障；</a:t>
+            </a:r>
+          </a:p>
+          <a:p>
+            <a:r>
+              <a:rPr lang="en-US" altLang="zh-CN" sz="2400"/>
+              <a:t>2. </a:t>
+            </a:r>
+            <a:r>
+              <a:rPr lang="zh-CN" altLang="en-US" sz="2400"/>
+              <a:t>由于可信数字证书都存储在</a:t>
+            </a:r>
+            <a:r>
+              <a:rPr lang="en-US" altLang="zh-CN" sz="2400"/>
+              <a:t>truststore</a:t>
+            </a:r>
+            <a:r>
+              <a:rPr lang="zh-CN" altLang="en-US" sz="2400"/>
+              <a:t>中，通过数字证书能轻易识别认证客户端的身份；</a:t>
+            </a:r>
+          </a:p>
+          <a:p>
+            <a:r>
+              <a:rPr lang="en-US" altLang="zh-CN" sz="2400"/>
+              <a:t>3. </a:t>
+            </a:r>
+            <a:r>
+              <a:rPr lang="zh-CN" altLang="en-US" sz="2400"/>
+              <a:t>没有忘记密码的风险；</a:t>
+            </a:r>
+          </a:p>
+        </p:txBody>
+      </p:sp>
+      <p:sp>
+        <p:nvSpPr>
+          <p:cNvPr id="3" name="矩形 2"/>
+          <p:cNvSpPr/>
+          <p:nvPr/>
+        </p:nvSpPr>
+        <p:spPr>
+          <a:xfrm>
+            <a:off x="5735782" y="1776120"/>
+            <a:ext cx="6096000" cy="4154984"/>
+          </a:xfrm>
+          <a:prstGeom prst="rect">
+            <a:avLst/>
+          </a:prstGeom>
+        </p:spPr>
+        <p:txBody>
+          <a:bodyPr>
+            <a:spAutoFit/>
+          </a:bodyPr>
+          <a:lstStyle/>
+          <a:p>
+            <a:r>
+              <a:rPr lang="zh-CN" altLang="en-US" sz="2400"/>
+              <a:t>缺点：</a:t>
+            </a:r>
+          </a:p>
+          <a:p>
+            <a:r>
+              <a:rPr lang="en-US" altLang="zh-CN" sz="2400"/>
+              <a:t>1. </a:t>
+            </a:r>
+            <a:r>
+              <a:rPr lang="zh-CN" altLang="en-US" sz="2400"/>
+              <a:t>由于</a:t>
+            </a:r>
+            <a:r>
+              <a:rPr lang="en-US" altLang="zh-CN" sz="2400"/>
+              <a:t>truststore</a:t>
+            </a:r>
+            <a:r>
+              <a:rPr lang="zh-CN" altLang="en-US" sz="2400"/>
+              <a:t>存储了所有可信客户端的证书，每当有新用户接入时，都需要把证书安装到</a:t>
+            </a:r>
+            <a:r>
+              <a:rPr lang="en-US" altLang="zh-CN" sz="2400"/>
+              <a:t>truststore</a:t>
+            </a:r>
+            <a:r>
+              <a:rPr lang="zh-CN" altLang="en-US" sz="2400"/>
+              <a:t>中。当用户规模很大时，使用这种方式会增加用户证书管理的复杂度；</a:t>
+            </a:r>
+          </a:p>
+          <a:p>
+            <a:r>
+              <a:rPr lang="en-US" altLang="zh-CN" sz="2400"/>
+              <a:t>2. </a:t>
+            </a:r>
+            <a:r>
+              <a:rPr lang="zh-CN" altLang="en-US" sz="2400"/>
+              <a:t>用户的数字证书安装在特定的物理设备上，只能使用特定的物理设备登录认证。在公共场所的互联网设施上无法使用数字证书双向认证；</a:t>
+            </a:r>
+          </a:p>
+          <a:p>
+            <a:r>
+              <a:rPr lang="en-US" altLang="zh-CN" sz="2400"/>
+              <a:t>3. </a:t>
+            </a:r>
+            <a:r>
+              <a:rPr lang="zh-CN" altLang="en-US" sz="2400"/>
+              <a:t>需要有高效的机制从</a:t>
+            </a:r>
+            <a:r>
+              <a:rPr lang="en-US" altLang="zh-CN" sz="2400"/>
+              <a:t>truststore</a:t>
+            </a:r>
+            <a:r>
+              <a:rPr lang="zh-CN" altLang="en-US" sz="2400"/>
+              <a:t>中撤销客户端证书；</a:t>
+            </a:r>
+          </a:p>
+        </p:txBody>
+      </p:sp>
+      <p:sp>
+        <p:nvSpPr>
+          <p:cNvPr id="4" name="文本框 3"/>
+          <p:cNvSpPr txBox="1"/>
+          <p:nvPr/>
+        </p:nvSpPr>
+        <p:spPr>
+          <a:xfrm>
+            <a:off x="471054" y="594726"/>
+            <a:ext cx="8981253" cy="584775"/>
+          </a:xfrm>
+          <a:prstGeom prst="rect">
+            <a:avLst/>
+          </a:prstGeom>
+          <a:noFill/>
+        </p:spPr>
+        <p:txBody>
+          <a:bodyPr wrap="square" rtlCol="0">
+            <a:spAutoFit/>
+          </a:bodyPr>
+          <a:lstStyle/>
+          <a:p>
+            <a:r>
+              <a:rPr lang="zh-CN" altLang="en-US" sz="3200"/>
+              <a:t>数字证书双向认证优缺点</a:t>
+            </a:r>
+          </a:p>
+        </p:txBody>
+      </p:sp>
+    </p:spTree>
+    <p:extLst>
+      <p:ext uri="{BB962C8B-B14F-4D97-AF65-F5344CB8AC3E}">
+        <p14:creationId xmlns:p14="http://schemas.microsoft.com/office/powerpoint/2010/main" val="3703341407"/>
+      </p:ext>
+    </p:extLst>
+  </p:cSld>
+  <p:clrMapOvr>
+    <a:masterClrMapping/>
+  </p:clrMapOvr>
+</p:sld>
+</file>
+
+<file path=ppt/slides/slide2.xml><?xml version="1.0" encoding="utf-8"?>
+<p:sld xmlns:a="http://schemas.openxmlformats.org/drawingml/2006/main" xmlns:r="http://schemas.openxmlformats.org/officeDocument/2006/relationships" xmlns:p="http://schemas.openxmlformats.org/presentationml/2006/main">
+  <p:cSld>
+    <p:spTree>
+      <p:nvGrpSpPr>
+        <p:cNvPr id="1" name=""/>
+        <p:cNvGrpSpPr/>
+        <p:nvPr/>
+      </p:nvGrpSpPr>
+      <p:grpSpPr>
+        <a:xfrm>
+          <a:off x="0" y="0"/>
+          <a:ext cx="0" cy="0"/>
+          <a:chOff x="0" y="0"/>
+          <a:chExt cx="0" cy="0"/>
+        </a:xfrm>
+      </p:grpSpPr>
+      <p:graphicFrame>
+        <p:nvGraphicFramePr>
+          <p:cNvPr id="2" name="表格 1">
+            <a:extLst>
+              <a:ext uri="{FF2B5EF4-FFF2-40B4-BE49-F238E27FC236}">
+                <a16:creationId xmlns:a16="http://schemas.microsoft.com/office/drawing/2014/main" id="{2DDD3500-B48C-4097-8E60-DDF0F511D1B6}"/>
+              </a:ext>
+            </a:extLst>
+          </p:cNvPr>
+          <p:cNvGraphicFramePr>
+            <a:graphicFrameLocks noGrp="1"/>
+          </p:cNvGraphicFramePr>
+          <p:nvPr>
+            <p:extLst>
+              <p:ext uri="{D42A27DB-BD31-4B8C-83A1-F6EECF244321}">
+                <p14:modId xmlns:p14="http://schemas.microsoft.com/office/powerpoint/2010/main" val="2771971955"/>
+              </p:ext>
+            </p:extLst>
+          </p:nvPr>
+        </p:nvGraphicFramePr>
+        <p:xfrm>
+          <a:off x="1772616" y="1010654"/>
+          <a:ext cx="8492040" cy="4654586"/>
+        </p:xfrm>
+        <a:graphic>
+          <a:graphicData uri="http://schemas.openxmlformats.org/drawingml/2006/table">
+            <a:tbl>
+              <a:tblPr firstRow="1" bandRow="1">
+                <a:tableStyleId>{5940675A-B579-460E-94D1-54222C63F5DA}</a:tableStyleId>
+              </a:tblPr>
+              <a:tblGrid>
+                <a:gridCol w="2451079">
+                  <a:extLst>
+                    <a:ext uri="{9D8B030D-6E8A-4147-A177-3AD203B41FA5}">
+                      <a16:colId xmlns:a16="http://schemas.microsoft.com/office/drawing/2014/main" val="243595328"/>
+                    </a:ext>
+                  </a:extLst>
+                </a:gridCol>
+                <a:gridCol w="6040961">
+                  <a:extLst>
+                    <a:ext uri="{9D8B030D-6E8A-4147-A177-3AD203B41FA5}">
+                      <a16:colId xmlns:a16="http://schemas.microsoft.com/office/drawing/2014/main" val="683446669"/>
+                    </a:ext>
+                  </a:extLst>
+                </a:gridCol>
+              </a:tblGrid>
+              <a:tr h="549754">
+                <a:tc>
+                  <a:txBody>
+                    <a:bodyPr/>
+                    <a:lstStyle/>
+                    <a:p>
+                      <a:pPr algn="ctr"/>
+                      <a:r>
+                        <a:rPr lang="zh-CN" altLang="en-US" sz="2400"/>
+                        <a:t>组员</a:t>
+                      </a:r>
+                    </a:p>
+                  </a:txBody>
+                  <a:tcPr anchor="ctr">
+                    <a:solidFill>
+                      <a:schemeClr val="bg1">
+                        <a:lumMod val="75000"/>
+                      </a:schemeClr>
+                    </a:solidFill>
+                  </a:tcPr>
+                </a:tc>
+                <a:tc>
+                  <a:txBody>
+                    <a:bodyPr/>
+                    <a:lstStyle/>
+                    <a:p>
+                      <a:pPr algn="ctr"/>
+                      <a:r>
+                        <a:rPr lang="zh-CN" altLang="en-US" sz="2400" dirty="0"/>
+                        <a:t>分工</a:t>
+                      </a:r>
+                    </a:p>
+                  </a:txBody>
+                  <a:tcPr anchor="ctr">
+                    <a:solidFill>
+                      <a:schemeClr val="bg1">
+                        <a:lumMod val="75000"/>
+                      </a:schemeClr>
+                    </a:solidFill>
+                  </a:tcPr>
+                </a:tc>
+                <a:extLst>
+                  <a:ext uri="{0D108BD9-81ED-4DB2-BD59-A6C34878D82A}">
+                    <a16:rowId xmlns:a16="http://schemas.microsoft.com/office/drawing/2014/main" val="3874744578"/>
+                  </a:ext>
+                </a:extLst>
+              </a:tr>
+              <a:tr h="1209459">
+                <a:tc>
+                  <a:txBody>
+                    <a:bodyPr/>
+                    <a:lstStyle/>
+                    <a:p>
+                      <a:pPr algn="ctr"/>
+                      <a:r>
+                        <a:rPr lang="zh-CN" altLang="en-US" sz="2000"/>
+                        <a:t>陈绿佳</a:t>
+                      </a:r>
+                    </a:p>
+                  </a:txBody>
+                  <a:tcPr anchor="ctr"/>
+                </a:tc>
+                <a:tc>
+                  <a:txBody>
+                    <a:bodyPr/>
+                    <a:lstStyle/>
+                    <a:p>
+                      <a:pPr marL="285750" indent="-285750">
+                        <a:buFont typeface="Wingdings" panose="05000000000000000000" pitchFamily="2" charset="2"/>
+                        <a:buChar char="ü"/>
+                      </a:pPr>
+                      <a:r>
+                        <a:rPr lang="zh-CN" altLang="en-US" sz="2000" dirty="0"/>
+                        <a:t>密码加密</a:t>
+                      </a:r>
+                      <a:endParaRPr lang="en-US" altLang="zh-CN" sz="2000" dirty="0"/>
+                    </a:p>
+                    <a:p>
+                      <a:pPr marL="285750" indent="-285750">
+                        <a:buFont typeface="Wingdings" panose="05000000000000000000" pitchFamily="2" charset="2"/>
+                        <a:buChar char="ü"/>
+                      </a:pPr>
+                      <a:r>
+                        <a:rPr lang="en-US" altLang="zh-CN" sz="2000" dirty="0"/>
+                        <a:t>spring https</a:t>
+                      </a:r>
+                      <a:r>
+                        <a:rPr lang="zh-CN" altLang="en-US" sz="2000" dirty="0"/>
+                        <a:t>连接</a:t>
+                      </a:r>
+                      <a:endParaRPr lang="en-US" altLang="zh-CN" sz="2000" dirty="0"/>
+                    </a:p>
+                    <a:p>
+                      <a:pPr marL="285750" indent="-285750">
+                        <a:buFont typeface="Wingdings" panose="05000000000000000000" pitchFamily="2" charset="2"/>
+                        <a:buChar char="ü"/>
+                      </a:pPr>
+                      <a:r>
+                        <a:rPr lang="zh-CN" altLang="en-US" sz="2000" dirty="0"/>
+                        <a:t>数字证书双向认证</a:t>
+                      </a:r>
+                    </a:p>
+                  </a:txBody>
+                  <a:tcPr anchor="ctr"/>
+                </a:tc>
+                <a:extLst>
+                  <a:ext uri="{0D108BD9-81ED-4DB2-BD59-A6C34878D82A}">
+                    <a16:rowId xmlns:a16="http://schemas.microsoft.com/office/drawing/2014/main" val="3552422705"/>
+                  </a:ext>
+                </a:extLst>
+              </a:tr>
+              <a:tr h="842957">
+                <a:tc>
+                  <a:txBody>
+                    <a:bodyPr/>
+                    <a:lstStyle/>
+                    <a:p>
+                      <a:pPr algn="ctr"/>
+                      <a:r>
+                        <a:rPr lang="zh-CN" altLang="en-US" sz="2000"/>
+                        <a:t>梁宏达</a:t>
+                      </a:r>
+                    </a:p>
+                  </a:txBody>
+                  <a:tcPr anchor="ctr"/>
+                </a:tc>
+                <a:tc>
+                  <a:txBody>
+                    <a:bodyPr/>
+                    <a:lstStyle/>
+                    <a:p>
+                      <a:pPr marL="285750" indent="-285750">
+                        <a:buFont typeface="Wingdings" panose="05000000000000000000" pitchFamily="2" charset="2"/>
+                        <a:buChar char="ü"/>
+                      </a:pPr>
+                      <a:r>
+                        <a:rPr lang="en-US" altLang="zh-CN" sz="2000"/>
+                        <a:t>spring</a:t>
+                      </a:r>
+                      <a:r>
+                        <a:rPr lang="en-US" altLang="zh-CN" sz="2000" baseline="0"/>
+                        <a:t> security</a:t>
+                      </a:r>
+                      <a:r>
+                        <a:rPr lang="zh-CN" altLang="en-US" sz="2000" baseline="0"/>
+                        <a:t>用户登录</a:t>
+                      </a:r>
+                      <a:endParaRPr lang="en-US" altLang="zh-CN" sz="2000" baseline="0"/>
+                    </a:p>
+                    <a:p>
+                      <a:pPr marL="285750" indent="-285750">
+                        <a:buFont typeface="Wingdings" panose="05000000000000000000" pitchFamily="2" charset="2"/>
+                        <a:buChar char="ü"/>
+                      </a:pPr>
+                      <a:r>
+                        <a:rPr lang="en-US" altLang="zh-CN" sz="2000" baseline="0"/>
+                        <a:t>spring security</a:t>
+                      </a:r>
+                      <a:r>
+                        <a:rPr lang="zh-CN" altLang="en-US" sz="2000" baseline="0"/>
+                        <a:t>基于角色的访问控制</a:t>
+                      </a:r>
+                      <a:endParaRPr lang="zh-CN" altLang="en-US" sz="2000"/>
+                    </a:p>
+                  </a:txBody>
+                  <a:tcPr anchor="ctr"/>
+                </a:tc>
+                <a:extLst>
+                  <a:ext uri="{0D108BD9-81ED-4DB2-BD59-A6C34878D82A}">
+                    <a16:rowId xmlns:a16="http://schemas.microsoft.com/office/drawing/2014/main" val="2479525730"/>
+                  </a:ext>
+                </a:extLst>
+              </a:tr>
+              <a:tr h="1209459">
+                <a:tc>
+                  <a:txBody>
+                    <a:bodyPr/>
+                    <a:lstStyle/>
+                    <a:p>
+                      <a:pPr algn="ctr"/>
+                      <a:r>
+                        <a:rPr lang="zh-CN" altLang="en-US" sz="2000"/>
+                        <a:t>蓝艺</a:t>
+                      </a:r>
+                    </a:p>
+                  </a:txBody>
+                  <a:tcPr anchor="ctr"/>
+                </a:tc>
+                <a:tc>
+                  <a:txBody>
+                    <a:bodyPr/>
+                    <a:lstStyle/>
+                    <a:p>
+                      <a:pPr marL="285750" indent="-285750">
+                        <a:buFont typeface="Wingdings" panose="05000000000000000000" pitchFamily="2" charset="2"/>
+                        <a:buChar char="ü"/>
+                      </a:pPr>
+                      <a:r>
+                        <a:rPr lang="zh-CN" altLang="en-US" sz="2000"/>
+                        <a:t>防火墙、安全组策略配置</a:t>
+                      </a:r>
+                      <a:endParaRPr lang="en-US" altLang="zh-CN" sz="2000"/>
+                    </a:p>
+                    <a:p>
+                      <a:pPr marL="285750" indent="-285750">
+                        <a:buFont typeface="Wingdings" panose="05000000000000000000" pitchFamily="2" charset="2"/>
+                        <a:buChar char="ü"/>
+                      </a:pPr>
+                      <a:r>
+                        <a:rPr lang="en-US" altLang="zh-CN" sz="2000"/>
+                        <a:t>tomcat</a:t>
+                      </a:r>
+                      <a:r>
+                        <a:rPr lang="zh-CN" altLang="en-US" sz="2000"/>
+                        <a:t>安装与</a:t>
+                      </a:r>
+                      <a:r>
+                        <a:rPr lang="en-US" altLang="zh-CN" sz="2000"/>
+                        <a:t>https</a:t>
+                      </a:r>
+                      <a:r>
+                        <a:rPr lang="zh-CN" altLang="en-US" sz="2000"/>
+                        <a:t>配置（没有用上）</a:t>
+                      </a:r>
+                      <a:endParaRPr lang="en-US" altLang="zh-CN" sz="2000"/>
+                    </a:p>
+                    <a:p>
+                      <a:pPr marL="285750" indent="-285750">
+                        <a:buFont typeface="Wingdings" panose="05000000000000000000" pitchFamily="2" charset="2"/>
+                        <a:buChar char="ü"/>
+                      </a:pPr>
+                      <a:r>
+                        <a:rPr lang="zh-CN" altLang="en-US" sz="2000"/>
+                        <a:t>搭建连通可靠开发环境设计方案</a:t>
+                      </a:r>
+                    </a:p>
+                  </a:txBody>
+                  <a:tcPr anchor="ctr"/>
+                </a:tc>
+                <a:extLst>
+                  <a:ext uri="{0D108BD9-81ED-4DB2-BD59-A6C34878D82A}">
+                    <a16:rowId xmlns:a16="http://schemas.microsoft.com/office/drawing/2014/main" val="1148711694"/>
+                  </a:ext>
+                </a:extLst>
+              </a:tr>
+              <a:tr h="842957">
+                <a:tc>
+                  <a:txBody>
+                    <a:bodyPr/>
+                    <a:lstStyle/>
+                    <a:p>
+                      <a:pPr algn="ctr"/>
+                      <a:r>
+                        <a:rPr lang="zh-CN" altLang="en-US" sz="2000"/>
+                        <a:t>李旺升</a:t>
+                      </a:r>
+                    </a:p>
+                  </a:txBody>
+                  <a:tcPr anchor="ctr"/>
+                </a:tc>
+                <a:tc>
+                  <a:txBody>
+                    <a:bodyPr/>
+                    <a:lstStyle/>
+                    <a:p>
+                      <a:pPr marL="285750" indent="-285750">
+                        <a:buFont typeface="Wingdings" panose="05000000000000000000" pitchFamily="2" charset="2"/>
+                        <a:buChar char="ü"/>
+                      </a:pPr>
+                      <a:r>
+                        <a:rPr lang="en-US" altLang="zh-CN" sz="2000" dirty="0" err="1"/>
+                        <a:t>mysql</a:t>
+                      </a:r>
+                      <a:r>
+                        <a:rPr lang="zh-CN" altLang="en-US" sz="2000" dirty="0"/>
+                        <a:t>安装配置</a:t>
+                      </a:r>
+                      <a:endParaRPr lang="en-US" altLang="zh-CN" sz="2000" dirty="0"/>
+                    </a:p>
+                    <a:p>
+                      <a:pPr marL="285750" indent="-285750">
+                        <a:buFont typeface="Wingdings" panose="05000000000000000000" pitchFamily="2" charset="2"/>
+                        <a:buChar char="ü"/>
+                      </a:pPr>
+                      <a:r>
+                        <a:rPr lang="en-US" altLang="zh-CN" sz="2000" dirty="0"/>
+                        <a:t>IBM</a:t>
+                      </a:r>
+                      <a:r>
+                        <a:rPr lang="en-US" altLang="zh-CN" sz="2000" baseline="0" dirty="0"/>
+                        <a:t> APP Scan</a:t>
+                      </a:r>
+                      <a:r>
+                        <a:rPr lang="zh-CN" altLang="en-US" sz="2000" baseline="0" dirty="0"/>
+                        <a:t>安装（暂时没有用上）</a:t>
+                      </a:r>
+                      <a:endParaRPr lang="zh-CN" altLang="en-US" sz="2000" dirty="0"/>
+                    </a:p>
+                  </a:txBody>
+                  <a:tcPr anchor="ctr"/>
+                </a:tc>
+                <a:extLst>
+                  <a:ext uri="{0D108BD9-81ED-4DB2-BD59-A6C34878D82A}">
+                    <a16:rowId xmlns:a16="http://schemas.microsoft.com/office/drawing/2014/main" val="410258838"/>
+                  </a:ext>
+                </a:extLst>
+              </a:tr>
+            </a:tbl>
+          </a:graphicData>
+        </a:graphic>
+      </p:graphicFrame>
+    </p:spTree>
+    <p:extLst>
+      <p:ext uri="{BB962C8B-B14F-4D97-AF65-F5344CB8AC3E}">
+        <p14:creationId xmlns:p14="http://schemas.microsoft.com/office/powerpoint/2010/main" val="1583163328"/>
+      </p:ext>
+    </p:extLst>
+  </p:cSld>
+  <p:clrMapOvr>
+    <a:masterClrMapping/>
+  </p:clrMapOvr>
+</p:sld>
+</file>
+
+<file path=ppt/slides/slide20.xml><?xml version="1.0" encoding="utf-8"?>
+<p:sld xmlns:a="http://schemas.openxmlformats.org/drawingml/2006/main" xmlns:r="http://schemas.openxmlformats.org/officeDocument/2006/relationships" xmlns:p="http://schemas.openxmlformats.org/presentationml/2006/main">
+  <p:cSld>
+    <p:spTree>
+      <p:nvGrpSpPr>
+        <p:cNvPr id="1" name=""/>
+        <p:cNvGrpSpPr/>
+        <p:nvPr/>
+      </p:nvGrpSpPr>
+      <p:grpSpPr>
+        <a:xfrm>
+          <a:off x="0" y="0"/>
+          <a:ext cx="0" cy="0"/>
+          <a:chOff x="0" y="0"/>
+          <a:chExt cx="0" cy="0"/>
+        </a:xfrm>
+      </p:grpSpPr>
       <p:sp>
         <p:nvSpPr>
           <p:cNvPr id="14" name="圆角矩形 13"/>
@@ -7591,10 +8284,9 @@
           <a:lstStyle/>
           <a:p>
             <a:r>
-              <a:rPr lang="zh-CN" altLang="en-US" sz="3200" smtClean="0"/>
+              <a:rPr lang="zh-CN" altLang="en-US" sz="3200"/>
               <a:t>端口号限制</a:t>
             </a:r>
-            <a:endParaRPr lang="zh-CN" altLang="en-US" sz="3200"/>
           </a:p>
         </p:txBody>
       </p:sp>
@@ -7621,10 +8313,10 @@
           <a:lstStyle/>
           <a:p>
             <a:r>
-              <a:rPr lang="zh-CN" altLang="en-US" sz="2800" smtClean="0"/>
+              <a:rPr lang="zh-CN" altLang="en-US" sz="2800"/>
               <a:t>只开放以下端口：</a:t>
             </a:r>
-            <a:endParaRPr lang="en-US" altLang="zh-CN" sz="2800" smtClean="0"/>
+            <a:endParaRPr lang="en-US" altLang="zh-CN" sz="2800"/>
           </a:p>
           <a:p>
             <a:pPr marL="457200" indent="-457200">
@@ -7632,7 +8324,7 @@
               <a:buAutoNum type="arabicPeriod"/>
             </a:pPr>
             <a:r>
-              <a:rPr lang="en-US" altLang="zh-CN" sz="2400" smtClean="0"/>
+              <a:rPr lang="en-US" altLang="zh-CN" sz="2400"/>
               <a:t>lowsec</a:t>
             </a:r>
             <a:r>
@@ -7654,7 +8346,7 @@
               <a:buAutoNum type="arabicPeriod"/>
             </a:pPr>
             <a:r>
-              <a:rPr lang="zh-CN" altLang="en-US" sz="2400" smtClean="0"/>
+              <a:rPr lang="zh-CN" altLang="en-US" sz="2400"/>
               <a:t>服务器</a:t>
             </a:r>
             <a:r>
@@ -7680,7 +8372,7 @@
               <a:buAutoNum type="arabicPeriod"/>
             </a:pPr>
             <a:r>
-              <a:rPr lang="en-US" altLang="zh-CN" sz="2400" smtClean="0"/>
+              <a:rPr lang="en-US" altLang="zh-CN" sz="2400"/>
               <a:t>mysql</a:t>
             </a:r>
             <a:r>
@@ -7692,14 +8384,13 @@
               <a:t>3306</a:t>
             </a:r>
             <a:r>
-              <a:rPr lang="zh-CN" altLang="en-US" sz="2400" smtClean="0"/>
+              <a:rPr lang="zh-CN" altLang="en-US" sz="2400"/>
               <a:t>端口</a:t>
             </a:r>
             <a:r>
-              <a:rPr lang="zh-CN" altLang="en-US" sz="2800" smtClean="0"/>
+              <a:rPr lang="zh-CN" altLang="en-US" sz="2800"/>
               <a:t>；</a:t>
             </a:r>
-            <a:endParaRPr lang="zh-CN" altLang="en-US" sz="2800"/>
           </a:p>
         </p:txBody>
       </p:sp>
@@ -7730,10 +8421,10 @@
               <a:buChar char="Ø"/>
             </a:pPr>
             <a:r>
-              <a:rPr lang="zh-CN" altLang="en-US" sz="2800" smtClean="0"/>
+              <a:rPr lang="zh-CN" altLang="en-US" sz="2800"/>
               <a:t>阿里云安全组策略</a:t>
             </a:r>
-            <a:endParaRPr lang="en-US" altLang="zh-CN" sz="2800" smtClean="0"/>
+            <a:endParaRPr lang="en-US" altLang="zh-CN" sz="2800"/>
           </a:p>
           <a:p>
             <a:pPr marL="342900" indent="-342900">
@@ -7741,7 +8432,7 @@
               <a:buChar char="Ø"/>
             </a:pPr>
             <a:r>
-              <a:rPr lang="en-US" altLang="zh-CN" sz="2800" smtClean="0"/>
+              <a:rPr lang="en-US" altLang="zh-CN" sz="2800"/>
               <a:t>linux firewall</a:t>
             </a:r>
             <a:endParaRPr lang="zh-CN" altLang="en-US" sz="2800"/>
@@ -7948,18 +8639,18 @@
               <a:buChar char="l"/>
             </a:pPr>
             <a:r>
-              <a:rPr lang="zh-CN" altLang="en-US" smtClean="0">
+              <a:rPr lang="zh-CN" altLang="en-US">
                 <a:latin typeface="+mn-ea"/>
               </a:rPr>
               <a:t>开发账号 </a:t>
             </a:r>
             <a:r>
-              <a:rPr lang="en-US" altLang="zh-CN" smtClean="0">
+              <a:rPr lang="en-US" altLang="zh-CN">
                 <a:latin typeface="+mn-ea"/>
               </a:rPr>
               <a:t>infosec-dev</a:t>
             </a:r>
-            <a:endParaRPr lang="en-US" altLang="zh-CN" sz="2400" smtClean="0">
+            <a:endParaRPr lang="en-US" altLang="zh-CN" sz="2400">
               <a:latin typeface="+mn-ea"/>
             </a:endParaRPr>
           </a:p>
@@ -7972,30 +8663,30 @@
               <a:buChar char="Ø"/>
             </a:pPr>
             <a:r>
-              <a:rPr lang="en-US" altLang="zh-CN" smtClean="0">
+              <a:rPr lang="en-US" altLang="zh-CN">
                 <a:latin typeface="+mn-ea"/>
               </a:rPr>
               <a:t>ip: </a:t>
             </a:r>
             <a:r>
-              <a:rPr lang="zh-CN" altLang="en-US" smtClean="0">
+              <a:rPr lang="zh-CN" altLang="en-US">
                 <a:latin typeface="+mn-ea"/>
               </a:rPr>
               <a:t>允许特定</a:t>
             </a:r>
             <a:r>
-              <a:rPr lang="en-US" altLang="zh-CN" smtClean="0">
+              <a:rPr lang="en-US" altLang="zh-CN">
                 <a:latin typeface="+mn-ea"/>
               </a:rPr>
               <a:t>ip</a:t>
             </a:r>
             <a:r>
-              <a:rPr lang="zh-CN" altLang="en-US" smtClean="0">
+              <a:rPr lang="zh-CN" altLang="en-US">
                 <a:latin typeface="+mn-ea"/>
               </a:rPr>
               <a:t>网络内的远程连接</a:t>
             </a:r>
-            <a:endParaRPr lang="en-US" altLang="zh-CN" smtClean="0">
+            <a:endParaRPr lang="en-US" altLang="zh-CN">
               <a:latin typeface="+mn-ea"/>
             </a:endParaRPr>
           </a:p>
@@ -8008,24 +8699,24 @@
               <a:buChar char="Ø"/>
             </a:pPr>
             <a:r>
-              <a:rPr lang="zh-CN" altLang="en-US" smtClean="0">
+              <a:rPr lang="zh-CN" altLang="en-US">
                 <a:latin typeface="+mn-ea"/>
               </a:rPr>
               <a:t>权限：只授予 </a:t>
             </a:r>
             <a:r>
-              <a:rPr lang="en-US" altLang="zh-CN" smtClean="0">
+              <a:rPr lang="en-US" altLang="zh-CN">
                 <a:latin typeface="+mn-ea"/>
               </a:rPr>
               <a:t>infosec </a:t>
             </a:r>
             <a:r>
-              <a:rPr lang="zh-CN" altLang="en-US" smtClean="0">
+              <a:rPr lang="zh-CN" altLang="en-US">
                 <a:latin typeface="+mn-ea"/>
               </a:rPr>
               <a:t>数据库的权限</a:t>
             </a:r>
-            <a:endParaRPr lang="en-US" altLang="zh-CN" smtClean="0">
+            <a:endParaRPr lang="en-US" altLang="zh-CN">
               <a:latin typeface="+mn-ea"/>
             </a:endParaRPr>
           </a:p>
@@ -8035,25 +8726,13 @@
               <a:buChar char="l"/>
             </a:pPr>
             <a:r>
-              <a:rPr lang="zh-CN" altLang="en-US" smtClean="0">
-                <a:latin typeface="+mn-ea"/>
-              </a:rPr>
-              <a:t>生产</a:t>
-            </a:r>
-            <a:r>
               <a:rPr lang="zh-CN" altLang="en-US">
                 <a:latin typeface="+mn-ea"/>
               </a:rPr>
-              <a:t>环境</a:t>
-            </a:r>
-            <a:r>
-              <a:rPr lang="zh-CN" altLang="en-US" smtClean="0">
-                <a:latin typeface="+mn-ea"/>
-              </a:rPr>
-              <a:t>账号 </a:t>
-            </a:r>
-            <a:r>
-              <a:rPr lang="en-US" altLang="zh-CN" smtClean="0">
+              <a:t>生产环境账号 </a:t>
+            </a:r>
+            <a:r>
+              <a:rPr lang="en-US" altLang="zh-CN">
                 <a:latin typeface="+mn-ea"/>
               </a:rPr>
               <a:t>infosec-prod</a:t>
@@ -8071,22 +8750,16 @@
               <a:buChar char="Ø"/>
             </a:pPr>
             <a:r>
-              <a:rPr lang="en-US" altLang="zh-CN" smtClean="0">
+              <a:rPr lang="en-US" altLang="zh-CN">
                 <a:latin typeface="+mn-ea"/>
               </a:rPr>
               <a:t>ip</a:t>
             </a:r>
             <a:r>
-              <a:rPr lang="zh-CN" altLang="en-US" smtClean="0">
-                <a:latin typeface="+mn-ea"/>
-              </a:rPr>
-              <a:t>：只</a:t>
-            </a:r>
-            <a:r>
               <a:rPr lang="zh-CN" altLang="en-US">
                 <a:latin typeface="+mn-ea"/>
               </a:rPr>
-              <a:t>允许</a:t>
+              <a:t>：只允许</a:t>
             </a:r>
             <a:r>
               <a:rPr lang="en-US" altLang="zh-CN">
@@ -8110,15 +8783,9 @@
               <a:rPr lang="zh-CN" altLang="en-US">
                 <a:latin typeface="+mn-ea"/>
               </a:rPr>
-              <a:t>应用访问</a:t>
-            </a:r>
-            <a:r>
-              <a:rPr lang="zh-CN" altLang="en-US" smtClean="0">
-                <a:latin typeface="+mn-ea"/>
-              </a:rPr>
-              <a:t>数据库</a:t>
-            </a:r>
-            <a:endParaRPr lang="en-US" altLang="zh-CN" smtClean="0">
+              <a:t>应用访问数据库</a:t>
+            </a:r>
+            <a:endParaRPr lang="en-US" altLang="zh-CN">
               <a:latin typeface="+mn-ea"/>
             </a:endParaRPr>
           </a:p>
@@ -8131,19 +8798,13 @@
               <a:buChar char="Ø"/>
             </a:pPr>
             <a:r>
-              <a:rPr lang="zh-CN" altLang="en-US" smtClean="0">
-                <a:latin typeface="+mn-ea"/>
-              </a:rPr>
-              <a:t>权限：只</a:t>
-            </a:r>
-            <a:r>
               <a:rPr lang="zh-CN" altLang="en-US">
                 <a:latin typeface="+mn-ea"/>
               </a:rPr>
-              <a:t>授予 </a:t>
-            </a:r>
-            <a:r>
-              <a:rPr lang="en-US" altLang="zh-CN" smtClean="0">
+              <a:t>权限：只授予 </a:t>
+            </a:r>
+            <a:r>
+              <a:rPr lang="en-US" altLang="zh-CN">
                 <a:latin typeface="+mn-ea"/>
               </a:rPr>
               <a:t>infosec </a:t>
@@ -8155,7 +8816,7 @@
               <a:t>数据库的 </a:t>
             </a:r>
             <a:r>
-              <a:rPr lang="en-US" altLang="zh-CN" smtClean="0">
+              <a:rPr lang="en-US" altLang="zh-CN">
                 <a:latin typeface="+mn-ea"/>
               </a:rPr>
               <a:t>user </a:t>
@@ -8167,13 +8828,13 @@
               <a:t>表格的 </a:t>
             </a:r>
             <a:r>
-              <a:rPr lang="en-US" altLang="zh-CN" smtClean="0">
+              <a:rPr lang="en-US" altLang="zh-CN">
                 <a:latin typeface="+mn-ea"/>
               </a:rPr>
               <a:t>SELECT </a:t>
             </a:r>
             <a:r>
-              <a:rPr lang="zh-CN" altLang="en-US" smtClean="0">
+              <a:rPr lang="zh-CN" altLang="en-US">
                 <a:latin typeface="+mn-ea"/>
               </a:rPr>
               <a:t>权限</a:t>
@@ -8265,17 +8926,16 @@
           <a:lstStyle/>
           <a:p>
             <a:r>
-              <a:rPr lang="zh-CN" altLang="en-US" sz="4400" smtClean="0"/>
+              <a:rPr lang="zh-CN" altLang="en-US" sz="4400"/>
               <a:t>服务器安全</a:t>
             </a:r>
-            <a:endParaRPr lang="en-US" altLang="zh-CN" sz="4400" smtClean="0"/>
-          </a:p>
-          <a:p>
-            <a:r>
-              <a:rPr lang="zh-CN" altLang="en-US" sz="4400" smtClean="0"/>
+            <a:endParaRPr lang="en-US" altLang="zh-CN" sz="4400"/>
+          </a:p>
+          <a:p>
+            <a:r>
+              <a:rPr lang="zh-CN" altLang="en-US" sz="4400"/>
               <a:t>操作系统安全</a:t>
             </a:r>
-            <a:endParaRPr lang="zh-CN" altLang="en-US" sz="4400"/>
           </a:p>
         </p:txBody>
       </p:sp>
@@ -8292,7 +8952,7 @@
 </p:sld>
 </file>
 
-<file path=ppt/slides/slide19.xml><?xml version="1.0" encoding="utf-8"?>
+<file path=ppt/slides/slide21.xml><?xml version="1.0" encoding="utf-8"?>
 <p:sld xmlns:a="http://schemas.openxmlformats.org/drawingml/2006/main" xmlns:r="http://schemas.openxmlformats.org/officeDocument/2006/relationships" xmlns:p="http://schemas.openxmlformats.org/presentationml/2006/main">
   <p:cSld>
     <p:spTree>
@@ -8331,7 +8991,7 @@
           <a:lstStyle/>
           <a:p>
             <a:r>
-              <a:rPr lang="zh-CN" altLang="en-US" b="1" smtClean="0"/>
+              <a:rPr lang="zh-CN" altLang="en-US" b="1"/>
               <a:t>开发安全规范</a:t>
             </a:r>
             <a:endParaRPr lang="zh-CN" altLang="en-US" b="1" dirty="0"/>
@@ -8376,98 +9036,7 @@
 </p:sld>
 </file>
 
-<file path=ppt/slides/slide2.xml><?xml version="1.0" encoding="utf-8"?>
-<p:sld xmlns:a="http://schemas.openxmlformats.org/drawingml/2006/main" xmlns:r="http://schemas.openxmlformats.org/officeDocument/2006/relationships" xmlns:p="http://schemas.openxmlformats.org/presentationml/2006/main">
-  <p:cSld>
-    <p:spTree>
-      <p:nvGrpSpPr>
-        <p:cNvPr id="1" name=""/>
-        <p:cNvGrpSpPr/>
-        <p:nvPr/>
-      </p:nvGrpSpPr>
-      <p:grpSpPr>
-        <a:xfrm>
-          <a:off x="0" y="0"/>
-          <a:ext cx="0" cy="0"/>
-          <a:chOff x="0" y="0"/>
-          <a:chExt cx="0" cy="0"/>
-        </a:xfrm>
-      </p:grpSpPr>
-      <p:sp>
-        <p:nvSpPr>
-          <p:cNvPr id="2" name="标题 1">
-            <a:extLst>
-              <a:ext uri="{FF2B5EF4-FFF2-40B4-BE49-F238E27FC236}">
-                <a16:creationId xmlns:a16="http://schemas.microsoft.com/office/drawing/2014/main" id="{7FCE7FB7-435E-4576-BE32-AB3E9C7038A2}"/>
-              </a:ext>
-            </a:extLst>
-          </p:cNvPr>
-          <p:cNvSpPr>
-            <a:spLocks noGrp="1"/>
-          </p:cNvSpPr>
-          <p:nvPr>
-            <p:ph type="title"/>
-          </p:nvPr>
-        </p:nvSpPr>
-        <p:spPr/>
-        <p:txBody>
-          <a:bodyPr/>
-          <a:lstStyle/>
-          <a:p>
-            <a:r>
-              <a:rPr lang="en-US" altLang="zh-CN" b="1" smtClean="0"/>
-              <a:t>1.</a:t>
-            </a:r>
-            <a:r>
-              <a:rPr lang="zh-CN" altLang="en-US" b="1" smtClean="0"/>
-              <a:t>通信安全</a:t>
-            </a:r>
-            <a:r>
-              <a:rPr lang="zh-CN" altLang="en-US" b="1" dirty="0"/>
-              <a:t>设计</a:t>
-            </a:r>
-          </a:p>
-        </p:txBody>
-      </p:sp>
-      <p:sp>
-        <p:nvSpPr>
-          <p:cNvPr id="3" name="文本占位符 2">
-            <a:extLst>
-              <a:ext uri="{FF2B5EF4-FFF2-40B4-BE49-F238E27FC236}">
-                <a16:creationId xmlns:a16="http://schemas.microsoft.com/office/drawing/2014/main" id="{3227A440-EBD5-4318-AFAD-734C5468DF12}"/>
-              </a:ext>
-            </a:extLst>
-          </p:cNvPr>
-          <p:cNvSpPr>
-            <a:spLocks noGrp="1"/>
-          </p:cNvSpPr>
-          <p:nvPr>
-            <p:ph type="body" idx="1"/>
-          </p:nvPr>
-        </p:nvSpPr>
-        <p:spPr/>
-        <p:txBody>
-          <a:bodyPr/>
-          <a:lstStyle/>
-          <a:p>
-            <a:endParaRPr lang="zh-CN" altLang="en-US"/>
-          </a:p>
-        </p:txBody>
-      </p:sp>
-    </p:spTree>
-    <p:extLst>
-      <p:ext uri="{BB962C8B-B14F-4D97-AF65-F5344CB8AC3E}">
-        <p14:creationId xmlns:p14="http://schemas.microsoft.com/office/powerpoint/2010/main" val="2249664456"/>
-      </p:ext>
-    </p:extLst>
-  </p:cSld>
-  <p:clrMapOvr>
-    <a:masterClrMapping/>
-  </p:clrMapOvr>
-</p:sld>
-</file>
-
-<file path=ppt/slides/slide20.xml><?xml version="1.0" encoding="utf-8"?>
+<file path=ppt/slides/slide22.xml><?xml version="1.0" encoding="utf-8"?>
 <p:sld xmlns:a="http://schemas.openxmlformats.org/drawingml/2006/main" xmlns:r="http://schemas.openxmlformats.org/officeDocument/2006/relationships" xmlns:p="http://schemas.openxmlformats.org/presentationml/2006/main">
   <p:cSld>
     <p:spTree>
@@ -8634,18 +9203,18 @@
               <a:buChar char="Ø"/>
             </a:pPr>
             <a:r>
-              <a:rPr lang="zh-CN" altLang="en-US" sz="2400" smtClean="0"/>
+              <a:rPr lang="zh-CN" altLang="en-US" sz="2400"/>
               <a:t>问题：</a:t>
             </a:r>
             <a:r>
-              <a:rPr lang="en-US" altLang="zh-CN" sz="2400" smtClean="0"/>
+              <a:rPr lang="en-US" altLang="zh-CN" sz="2400"/>
               <a:t>yml</a:t>
             </a:r>
             <a:r>
-              <a:rPr lang="zh-CN" altLang="en-US" sz="2400" smtClean="0"/>
+              <a:rPr lang="zh-CN" altLang="en-US" sz="2400"/>
               <a:t>配置文件包含敏感信息，例如数据库账户密码</a:t>
             </a:r>
-            <a:endParaRPr lang="en-US" altLang="zh-CN" sz="2400" smtClean="0"/>
+            <a:endParaRPr lang="en-US" altLang="zh-CN" sz="2400"/>
           </a:p>
           <a:p>
             <a:pPr marL="342900" indent="-342900">
@@ -8712,10 +9281,10 @@
               <a:buChar char="l"/>
             </a:pPr>
             <a:r>
-              <a:rPr lang="zh-CN" altLang="en-US" sz="2400" smtClean="0"/>
+              <a:rPr lang="zh-CN" altLang="en-US" sz="2400"/>
               <a:t>加密敏感信息</a:t>
             </a:r>
-            <a:endParaRPr lang="en-US" altLang="zh-CN" sz="2400" smtClean="0"/>
+            <a:endParaRPr lang="en-US" altLang="zh-CN" sz="2400"/>
           </a:p>
           <a:p>
             <a:pPr marL="285750" indent="-285750">
@@ -8723,10 +9292,10 @@
               <a:buChar char="l"/>
             </a:pPr>
             <a:r>
-              <a:rPr lang="zh-CN" altLang="en-US" sz="2400" smtClean="0"/>
+              <a:rPr lang="zh-CN" altLang="en-US" sz="2400"/>
               <a:t>仅开发人员持有加密密钥</a:t>
             </a:r>
-            <a:endParaRPr lang="en-US" altLang="zh-CN" sz="2400" smtClean="0"/>
+            <a:endParaRPr lang="en-US" altLang="zh-CN" sz="2400"/>
           </a:p>
           <a:p>
             <a:pPr marL="285750" indent="-285750">
@@ -8734,10 +9303,10 @@
               <a:buChar char="l"/>
             </a:pPr>
             <a:r>
-              <a:rPr lang="zh-CN" altLang="en-US" sz="2400" smtClean="0"/>
+              <a:rPr lang="zh-CN" altLang="en-US" sz="2400"/>
               <a:t>在开发、生产环境配置环境变量存储密钥</a:t>
             </a:r>
-            <a:endParaRPr lang="en-US" altLang="zh-CN" sz="2400" smtClean="0"/>
+            <a:endParaRPr lang="en-US" altLang="zh-CN" sz="2400"/>
           </a:p>
           <a:p>
             <a:pPr marL="285750" indent="-285750">
@@ -8745,18 +9314,17 @@
               <a:buChar char="l"/>
             </a:pPr>
             <a:r>
-              <a:rPr lang="zh-CN" altLang="en-US" sz="2400" smtClean="0"/>
+              <a:rPr lang="zh-CN" altLang="en-US" sz="2400"/>
               <a:t>组件自动读取密钥，解密加密配置为明文供</a:t>
             </a:r>
             <a:r>
-              <a:rPr lang="en-US" altLang="zh-CN" sz="2400" smtClean="0"/>
+              <a:rPr lang="en-US" altLang="zh-CN" sz="2400"/>
               <a:t>spring boot</a:t>
             </a:r>
             <a:r>
-              <a:rPr lang="zh-CN" altLang="en-US" sz="2400" smtClean="0"/>
+              <a:rPr lang="zh-CN" altLang="en-US" sz="2400"/>
               <a:t>应用使用（开箱即用）</a:t>
             </a:r>
-            <a:endParaRPr lang="zh-CN" altLang="en-US" sz="2400"/>
           </a:p>
         </p:txBody>
       </p:sp>
@@ -8773,7 +9341,7 @@
 </p:sld>
 </file>
 
-<file path=ppt/slides/slide21.xml><?xml version="1.0" encoding="utf-8"?>
+<file path=ppt/slides/slide23.xml><?xml version="1.0" encoding="utf-8"?>
 <p:sld xmlns:a="http://schemas.openxmlformats.org/drawingml/2006/main" xmlns:r="http://schemas.openxmlformats.org/officeDocument/2006/relationships" xmlns:p="http://schemas.openxmlformats.org/presentationml/2006/main">
   <p:cSld>
     <p:spTree>
@@ -8812,18 +9380,18 @@
           <a:lstStyle/>
           <a:p>
             <a:r>
-              <a:rPr lang="zh-CN" altLang="en-US" b="1" smtClean="0"/>
+              <a:rPr lang="zh-CN" altLang="en-US" b="1"/>
               <a:t>搭建连通可靠开发环境</a:t>
             </a:r>
             <a:r>
-              <a:rPr lang="en-US" altLang="zh-CN" b="1" smtClean="0"/>
+              <a:rPr lang="en-US" altLang="zh-CN" b="1"/>
               <a:t/>
             </a:r>
             <a:br>
-              <a:rPr lang="en-US" altLang="zh-CN" b="1" smtClean="0"/>
+              <a:rPr lang="en-US" altLang="zh-CN" b="1"/>
             </a:br>
             <a:r>
-              <a:rPr lang="zh-CN" altLang="en-US" sz="4400" smtClean="0"/>
+              <a:rPr lang="zh-CN" altLang="en-US" sz="4400"/>
               <a:t>（设计方案，未实现）</a:t>
             </a:r>
             <a:endParaRPr lang="zh-CN" altLang="en-US" dirty="0"/>
@@ -8868,7 +9436,7 @@
 </p:sld>
 </file>
 
-<file path=ppt/slides/slide22.xml><?xml version="1.0" encoding="utf-8"?>
+<file path=ppt/slides/slide24.xml><?xml version="1.0" encoding="utf-8"?>
 <p:sld xmlns:a="http://schemas.openxmlformats.org/drawingml/2006/main" xmlns:r="http://schemas.openxmlformats.org/officeDocument/2006/relationships" xmlns:p="http://schemas.openxmlformats.org/presentationml/2006/main">
   <p:cSld>
     <p:spTree>
@@ -8961,7 +9529,7 @@
 </p:sld>
 </file>
 
-<file path=ppt/slides/slide23.xml><?xml version="1.0" encoding="utf-8"?>
+<file path=ppt/slides/slide25.xml><?xml version="1.0" encoding="utf-8"?>
 <p:sld xmlns:a="http://schemas.openxmlformats.org/drawingml/2006/main" xmlns:r="http://schemas.openxmlformats.org/officeDocument/2006/relationships" xmlns:p="http://schemas.openxmlformats.org/presentationml/2006/main">
   <p:cSld>
     <p:spTree>
@@ -9335,7 +9903,7 @@
 </p:sld>
 </file>
 
-<file path=ppt/slides/slide24.xml><?xml version="1.0" encoding="utf-8"?>
+<file path=ppt/slides/slide26.xml><?xml version="1.0" encoding="utf-8"?>
 <p:sld xmlns:a="http://schemas.openxmlformats.org/drawingml/2006/main" xmlns:r="http://schemas.openxmlformats.org/officeDocument/2006/relationships" xmlns:p="http://schemas.openxmlformats.org/presentationml/2006/main">
   <p:cSld>
     <p:spTree>
@@ -9595,7 +10163,7 @@
 </p:sld>
 </file>
 
-<file path=ppt/slides/slide25.xml><?xml version="1.0" encoding="utf-8"?>
+<file path=ppt/slides/slide27.xml><?xml version="1.0" encoding="utf-8"?>
 <p:sld xmlns:a="http://schemas.openxmlformats.org/drawingml/2006/main" xmlns:r="http://schemas.openxmlformats.org/officeDocument/2006/relationships" xmlns:p="http://schemas.openxmlformats.org/presentationml/2006/main">
   <p:cSld>
     <p:spTree>
@@ -9683,7 +10251,7 @@
 </p:sld>
 </file>
 
-<file path=ppt/slides/slide26.xml><?xml version="1.0" encoding="utf-8"?>
+<file path=ppt/slides/slide28.xml><?xml version="1.0" encoding="utf-8"?>
 <p:sld xmlns:a="http://schemas.openxmlformats.org/drawingml/2006/main" xmlns:r="http://schemas.openxmlformats.org/officeDocument/2006/relationships" xmlns:p="http://schemas.openxmlformats.org/presentationml/2006/main">
   <p:cSld>
     <p:spTree>
@@ -10019,7 +10587,7 @@
 </p:sld>
 </file>
 
-<file path=ppt/slides/slide27.xml><?xml version="1.0" encoding="utf-8"?>
+<file path=ppt/slides/slide29.xml><?xml version="1.0" encoding="utf-8"?>
 <p:sld xmlns:a="http://schemas.openxmlformats.org/drawingml/2006/main" xmlns:r="http://schemas.openxmlformats.org/officeDocument/2006/relationships" xmlns:p="http://schemas.openxmlformats.org/presentationml/2006/main">
   <p:cSld>
     <p:spTree>
@@ -10246,7 +10814,98 @@
 </p:sld>
 </file>
 
-<file path=ppt/slides/slide28.xml><?xml version="1.0" encoding="utf-8"?>
+<file path=ppt/slides/slide3.xml><?xml version="1.0" encoding="utf-8"?>
+<p:sld xmlns:a="http://schemas.openxmlformats.org/drawingml/2006/main" xmlns:r="http://schemas.openxmlformats.org/officeDocument/2006/relationships" xmlns:p="http://schemas.openxmlformats.org/presentationml/2006/main">
+  <p:cSld>
+    <p:spTree>
+      <p:nvGrpSpPr>
+        <p:cNvPr id="1" name=""/>
+        <p:cNvGrpSpPr/>
+        <p:nvPr/>
+      </p:nvGrpSpPr>
+      <p:grpSpPr>
+        <a:xfrm>
+          <a:off x="0" y="0"/>
+          <a:ext cx="0" cy="0"/>
+          <a:chOff x="0" y="0"/>
+          <a:chExt cx="0" cy="0"/>
+        </a:xfrm>
+      </p:grpSpPr>
+      <p:sp>
+        <p:nvSpPr>
+          <p:cNvPr id="2" name="标题 1">
+            <a:extLst>
+              <a:ext uri="{FF2B5EF4-FFF2-40B4-BE49-F238E27FC236}">
+                <a16:creationId xmlns:a16="http://schemas.microsoft.com/office/drawing/2014/main" id="{7FCE7FB7-435E-4576-BE32-AB3E9C7038A2}"/>
+              </a:ext>
+            </a:extLst>
+          </p:cNvPr>
+          <p:cNvSpPr>
+            <a:spLocks noGrp="1"/>
+          </p:cNvSpPr>
+          <p:nvPr>
+            <p:ph type="title"/>
+          </p:nvPr>
+        </p:nvSpPr>
+        <p:spPr/>
+        <p:txBody>
+          <a:bodyPr/>
+          <a:lstStyle/>
+          <a:p>
+            <a:r>
+              <a:rPr lang="en-US" altLang="zh-CN" b="1"/>
+              <a:t>1.</a:t>
+            </a:r>
+            <a:r>
+              <a:rPr lang="zh-CN" altLang="en-US" b="1"/>
+              <a:t>通信安全</a:t>
+            </a:r>
+            <a:r>
+              <a:rPr lang="zh-CN" altLang="en-US" b="1" dirty="0"/>
+              <a:t>设计</a:t>
+            </a:r>
+          </a:p>
+        </p:txBody>
+      </p:sp>
+      <p:sp>
+        <p:nvSpPr>
+          <p:cNvPr id="3" name="文本占位符 2">
+            <a:extLst>
+              <a:ext uri="{FF2B5EF4-FFF2-40B4-BE49-F238E27FC236}">
+                <a16:creationId xmlns:a16="http://schemas.microsoft.com/office/drawing/2014/main" id="{3227A440-EBD5-4318-AFAD-734C5468DF12}"/>
+              </a:ext>
+            </a:extLst>
+          </p:cNvPr>
+          <p:cNvSpPr>
+            <a:spLocks noGrp="1"/>
+          </p:cNvSpPr>
+          <p:nvPr>
+            <p:ph type="body" idx="1"/>
+          </p:nvPr>
+        </p:nvSpPr>
+        <p:spPr/>
+        <p:txBody>
+          <a:bodyPr/>
+          <a:lstStyle/>
+          <a:p>
+            <a:endParaRPr lang="zh-CN" altLang="en-US"/>
+          </a:p>
+        </p:txBody>
+      </p:sp>
+    </p:spTree>
+    <p:extLst>
+      <p:ext uri="{BB962C8B-B14F-4D97-AF65-F5344CB8AC3E}">
+        <p14:creationId xmlns:p14="http://schemas.microsoft.com/office/powerpoint/2010/main" val="2249664456"/>
+      </p:ext>
+    </p:extLst>
+  </p:cSld>
+  <p:clrMapOvr>
+    <a:masterClrMapping/>
+  </p:clrMapOvr>
+</p:sld>
+</file>
+
+<file path=ppt/slides/slide30.xml><?xml version="1.0" encoding="utf-8"?>
 <p:sld xmlns:a="http://schemas.openxmlformats.org/drawingml/2006/main" xmlns:r="http://schemas.openxmlformats.org/officeDocument/2006/relationships" xmlns:p="http://schemas.openxmlformats.org/presentationml/2006/main">
   <p:cSld>
     <p:spTree>
@@ -10473,7 +11132,7 @@
 </p:sld>
 </file>
 
-<file path=ppt/slides/slide29.xml><?xml version="1.0" encoding="utf-8"?>
+<file path=ppt/slides/slide31.xml><?xml version="1.0" encoding="utf-8"?>
 <p:sld xmlns:a="http://schemas.openxmlformats.org/drawingml/2006/main" xmlns:r="http://schemas.openxmlformats.org/officeDocument/2006/relationships" xmlns:p="http://schemas.openxmlformats.org/presentationml/2006/main">
   <p:cSld>
     <p:spTree>
@@ -10490,365 +11149,6 @@
           <a:chExt cx="0" cy="0"/>
         </a:xfrm>
       </p:grpSpPr>
-      <p:graphicFrame>
-        <p:nvGraphicFramePr>
-          <p:cNvPr id="4" name="表格 3"/>
-          <p:cNvGraphicFramePr>
-            <a:graphicFrameLocks noGrp="1"/>
-          </p:cNvGraphicFramePr>
-          <p:nvPr>
-            <p:extLst>
-              <p:ext uri="{D42A27DB-BD31-4B8C-83A1-F6EECF244321}">
-                <p14:modId xmlns:p14="http://schemas.microsoft.com/office/powerpoint/2010/main" val="2070183923"/>
-              </p:ext>
-            </p:extLst>
-          </p:nvPr>
-        </p:nvGraphicFramePr>
-        <p:xfrm>
-          <a:off x="452580" y="1911157"/>
-          <a:ext cx="6613238" cy="3870960"/>
-        </p:xfrm>
-        <a:graphic>
-          <a:graphicData uri="http://schemas.openxmlformats.org/drawingml/2006/table">
-            <a:tbl>
-              <a:tblPr firstRow="1" bandRow="1">
-                <a:tableStyleId>{5940675A-B579-460E-94D1-54222C63F5DA}</a:tableStyleId>
-              </a:tblPr>
-              <a:tblGrid>
-                <a:gridCol w="1908796">
-                  <a:extLst>
-                    <a:ext uri="{9D8B030D-6E8A-4147-A177-3AD203B41FA5}">
-                      <a16:colId xmlns:a16="http://schemas.microsoft.com/office/drawing/2014/main" val="243595328"/>
-                    </a:ext>
-                  </a:extLst>
-                </a:gridCol>
-                <a:gridCol w="4704442">
-                  <a:extLst>
-                    <a:ext uri="{9D8B030D-6E8A-4147-A177-3AD203B41FA5}">
-                      <a16:colId xmlns:a16="http://schemas.microsoft.com/office/drawing/2014/main" val="683446669"/>
-                    </a:ext>
-                  </a:extLst>
-                </a:gridCol>
-              </a:tblGrid>
-              <a:tr h="370840">
-                <a:tc>
-                  <a:txBody>
-                    <a:bodyPr/>
-                    <a:lstStyle/>
-                    <a:p>
-                      <a:pPr algn="ctr"/>
-                      <a:r>
-                        <a:rPr lang="zh-CN" altLang="en-US" sz="2400" smtClean="0"/>
-                        <a:t>组员</a:t>
-                      </a:r>
-                      <a:endParaRPr lang="zh-CN" altLang="en-US" sz="2400"/>
-                    </a:p>
-                  </a:txBody>
-                  <a:tcPr anchor="ctr">
-                    <a:solidFill>
-                      <a:schemeClr val="bg1">
-                        <a:lumMod val="75000"/>
-                      </a:schemeClr>
-                    </a:solidFill>
-                  </a:tcPr>
-                </a:tc>
-                <a:tc>
-                  <a:txBody>
-                    <a:bodyPr/>
-                    <a:lstStyle/>
-                    <a:p>
-                      <a:pPr algn="ctr"/>
-                      <a:r>
-                        <a:rPr lang="zh-CN" altLang="en-US" sz="2400" smtClean="0"/>
-                        <a:t>分工</a:t>
-                      </a:r>
-                      <a:endParaRPr lang="zh-CN" altLang="en-US" sz="2400"/>
-                    </a:p>
-                  </a:txBody>
-                  <a:tcPr anchor="ctr">
-                    <a:solidFill>
-                      <a:schemeClr val="bg1">
-                        <a:lumMod val="75000"/>
-                      </a:schemeClr>
-                    </a:solidFill>
-                  </a:tcPr>
-                </a:tc>
-                <a:extLst>
-                  <a:ext uri="{0D108BD9-81ED-4DB2-BD59-A6C34878D82A}">
-                    <a16:rowId xmlns:a16="http://schemas.microsoft.com/office/drawing/2014/main" val="3874744578"/>
-                  </a:ext>
-                </a:extLst>
-              </a:tr>
-              <a:tr h="370840">
-                <a:tc>
-                  <a:txBody>
-                    <a:bodyPr/>
-                    <a:lstStyle/>
-                    <a:p>
-                      <a:pPr algn="ctr"/>
-                      <a:r>
-                        <a:rPr lang="zh-CN" altLang="en-US" sz="2000" smtClean="0"/>
-                        <a:t>陈绿佳</a:t>
-                      </a:r>
-                      <a:endParaRPr lang="zh-CN" altLang="en-US" sz="2000"/>
-                    </a:p>
-                  </a:txBody>
-                  <a:tcPr anchor="ctr"/>
-                </a:tc>
-                <a:tc>
-                  <a:txBody>
-                    <a:bodyPr/>
-                    <a:lstStyle/>
-                    <a:p>
-                      <a:pPr marL="285750" indent="-285750">
-                        <a:buFont typeface="Wingdings" panose="05000000000000000000" pitchFamily="2" charset="2"/>
-                        <a:buChar char="ü"/>
-                      </a:pPr>
-                      <a:r>
-                        <a:rPr lang="zh-CN" altLang="en-US" sz="2000" smtClean="0"/>
-                        <a:t>密码加密</a:t>
-                      </a:r>
-                      <a:endParaRPr lang="en-US" altLang="zh-CN" sz="2000" smtClean="0"/>
-                    </a:p>
-                    <a:p>
-                      <a:pPr marL="285750" indent="-285750">
-                        <a:buFont typeface="Wingdings" panose="05000000000000000000" pitchFamily="2" charset="2"/>
-                        <a:buChar char="ü"/>
-                      </a:pPr>
-                      <a:r>
-                        <a:rPr lang="en-US" altLang="zh-CN" sz="2000" smtClean="0"/>
-                        <a:t>spring https</a:t>
-                      </a:r>
-                      <a:r>
-                        <a:rPr lang="zh-CN" altLang="en-US" sz="2000" smtClean="0"/>
-                        <a:t>连接</a:t>
-                      </a:r>
-                      <a:endParaRPr lang="en-US" altLang="zh-CN" sz="2000" smtClean="0"/>
-                    </a:p>
-                    <a:p>
-                      <a:pPr marL="285750" indent="-285750">
-                        <a:buFont typeface="Wingdings" panose="05000000000000000000" pitchFamily="2" charset="2"/>
-                        <a:buChar char="ü"/>
-                      </a:pPr>
-                      <a:r>
-                        <a:rPr lang="zh-CN" altLang="en-US" sz="2000" smtClean="0"/>
-                        <a:t>数字证书双向认证</a:t>
-                      </a:r>
-                      <a:endParaRPr lang="zh-CN" altLang="en-US" sz="2000"/>
-                    </a:p>
-                  </a:txBody>
-                  <a:tcPr anchor="ctr"/>
-                </a:tc>
-                <a:extLst>
-                  <a:ext uri="{0D108BD9-81ED-4DB2-BD59-A6C34878D82A}">
-                    <a16:rowId xmlns:a16="http://schemas.microsoft.com/office/drawing/2014/main" val="3552422705"/>
-                  </a:ext>
-                </a:extLst>
-              </a:tr>
-              <a:tr h="370840">
-                <a:tc>
-                  <a:txBody>
-                    <a:bodyPr/>
-                    <a:lstStyle/>
-                    <a:p>
-                      <a:pPr algn="ctr"/>
-                      <a:r>
-                        <a:rPr lang="zh-CN" altLang="en-US" sz="2000" smtClean="0"/>
-                        <a:t>梁宏达</a:t>
-                      </a:r>
-                      <a:endParaRPr lang="zh-CN" altLang="en-US" sz="2000"/>
-                    </a:p>
-                  </a:txBody>
-                  <a:tcPr anchor="ctr"/>
-                </a:tc>
-                <a:tc>
-                  <a:txBody>
-                    <a:bodyPr/>
-                    <a:lstStyle/>
-                    <a:p>
-                      <a:pPr marL="285750" indent="-285750">
-                        <a:buFont typeface="Wingdings" panose="05000000000000000000" pitchFamily="2" charset="2"/>
-                        <a:buChar char="ü"/>
-                      </a:pPr>
-                      <a:r>
-                        <a:rPr lang="en-US" altLang="zh-CN" sz="2000" smtClean="0"/>
-                        <a:t>spring</a:t>
-                      </a:r>
-                      <a:r>
-                        <a:rPr lang="en-US" altLang="zh-CN" sz="2000" baseline="0" smtClean="0"/>
-                        <a:t> security</a:t>
-                      </a:r>
-                      <a:r>
-                        <a:rPr lang="zh-CN" altLang="en-US" sz="2000" baseline="0" smtClean="0"/>
-                        <a:t>用户登录</a:t>
-                      </a:r>
-                      <a:endParaRPr lang="en-US" altLang="zh-CN" sz="2000" baseline="0" smtClean="0"/>
-                    </a:p>
-                    <a:p>
-                      <a:pPr marL="285750" indent="-285750">
-                        <a:buFont typeface="Wingdings" panose="05000000000000000000" pitchFamily="2" charset="2"/>
-                        <a:buChar char="ü"/>
-                      </a:pPr>
-                      <a:r>
-                        <a:rPr lang="en-US" altLang="zh-CN" sz="2000" baseline="0" smtClean="0"/>
-                        <a:t>spring security</a:t>
-                      </a:r>
-                      <a:r>
-                        <a:rPr lang="zh-CN" altLang="en-US" sz="2000" baseline="0" smtClean="0"/>
-                        <a:t>基于角色的访问控制</a:t>
-                      </a:r>
-                      <a:endParaRPr lang="zh-CN" altLang="en-US" sz="2000"/>
-                    </a:p>
-                  </a:txBody>
-                  <a:tcPr anchor="ctr"/>
-                </a:tc>
-                <a:extLst>
-                  <a:ext uri="{0D108BD9-81ED-4DB2-BD59-A6C34878D82A}">
-                    <a16:rowId xmlns:a16="http://schemas.microsoft.com/office/drawing/2014/main" val="2479525730"/>
-                  </a:ext>
-                </a:extLst>
-              </a:tr>
-              <a:tr h="370840">
-                <a:tc>
-                  <a:txBody>
-                    <a:bodyPr/>
-                    <a:lstStyle/>
-                    <a:p>
-                      <a:pPr algn="ctr"/>
-                      <a:r>
-                        <a:rPr lang="zh-CN" altLang="en-US" sz="2000" smtClean="0"/>
-                        <a:t>蓝艺</a:t>
-                      </a:r>
-                      <a:endParaRPr lang="zh-CN" altLang="en-US" sz="2000"/>
-                    </a:p>
-                  </a:txBody>
-                  <a:tcPr anchor="ctr"/>
-                </a:tc>
-                <a:tc>
-                  <a:txBody>
-                    <a:bodyPr/>
-                    <a:lstStyle/>
-                    <a:p>
-                      <a:pPr marL="285750" indent="-285750">
-                        <a:buFont typeface="Wingdings" panose="05000000000000000000" pitchFamily="2" charset="2"/>
-                        <a:buChar char="ü"/>
-                      </a:pPr>
-                      <a:r>
-                        <a:rPr lang="zh-CN" altLang="en-US" sz="2000" smtClean="0"/>
-                        <a:t>防火墙、安全组策略配置</a:t>
-                      </a:r>
-                      <a:endParaRPr lang="en-US" altLang="zh-CN" sz="2000" smtClean="0"/>
-                    </a:p>
-                    <a:p>
-                      <a:pPr marL="285750" indent="-285750">
-                        <a:buFont typeface="Wingdings" panose="05000000000000000000" pitchFamily="2" charset="2"/>
-                        <a:buChar char="ü"/>
-                      </a:pPr>
-                      <a:r>
-                        <a:rPr lang="en-US" altLang="zh-CN" sz="2000" smtClean="0"/>
-                        <a:t>tomcat</a:t>
-                      </a:r>
-                      <a:r>
-                        <a:rPr lang="zh-CN" altLang="en-US" sz="2000" smtClean="0"/>
-                        <a:t>安装与</a:t>
-                      </a:r>
-                      <a:r>
-                        <a:rPr lang="en-US" altLang="zh-CN" sz="2000" smtClean="0"/>
-                        <a:t>https</a:t>
-                      </a:r>
-                      <a:r>
-                        <a:rPr lang="zh-CN" altLang="en-US" sz="2000" smtClean="0"/>
-                        <a:t>配置（没有用上）</a:t>
-                      </a:r>
-                      <a:endParaRPr lang="en-US" altLang="zh-CN" sz="2000" smtClean="0"/>
-                    </a:p>
-                    <a:p>
-                      <a:pPr marL="285750" indent="-285750">
-                        <a:buFont typeface="Wingdings" panose="05000000000000000000" pitchFamily="2" charset="2"/>
-                        <a:buChar char="ü"/>
-                      </a:pPr>
-                      <a:r>
-                        <a:rPr lang="zh-CN" altLang="en-US" sz="2000" smtClean="0"/>
-                        <a:t>搭建连通可靠开发环境设计方案</a:t>
-                      </a:r>
-                      <a:endParaRPr lang="zh-CN" altLang="en-US" sz="2000"/>
-                    </a:p>
-                  </a:txBody>
-                  <a:tcPr anchor="ctr"/>
-                </a:tc>
-                <a:extLst>
-                  <a:ext uri="{0D108BD9-81ED-4DB2-BD59-A6C34878D82A}">
-                    <a16:rowId xmlns:a16="http://schemas.microsoft.com/office/drawing/2014/main" val="1148711694"/>
-                  </a:ext>
-                </a:extLst>
-              </a:tr>
-              <a:tr h="370840">
-                <a:tc>
-                  <a:txBody>
-                    <a:bodyPr/>
-                    <a:lstStyle/>
-                    <a:p>
-                      <a:pPr algn="ctr"/>
-                      <a:r>
-                        <a:rPr lang="zh-CN" altLang="en-US" sz="2000" smtClean="0"/>
-                        <a:t>李旺升</a:t>
-                      </a:r>
-                      <a:endParaRPr lang="zh-CN" altLang="en-US" sz="2000"/>
-                    </a:p>
-                  </a:txBody>
-                  <a:tcPr anchor="ctr"/>
-                </a:tc>
-                <a:tc>
-                  <a:txBody>
-                    <a:bodyPr/>
-                    <a:lstStyle/>
-                    <a:p>
-                      <a:pPr marL="285750" indent="-285750">
-                        <a:buFont typeface="Wingdings" panose="05000000000000000000" pitchFamily="2" charset="2"/>
-                        <a:buChar char="ü"/>
-                      </a:pPr>
-                      <a:r>
-                        <a:rPr lang="en-US" altLang="zh-CN" sz="2000" smtClean="0"/>
-                        <a:t>mysql</a:t>
-                      </a:r>
-                      <a:r>
-                        <a:rPr lang="zh-CN" altLang="en-US" sz="2000" smtClean="0"/>
-                        <a:t>安装配置</a:t>
-                      </a:r>
-                      <a:endParaRPr lang="en-US" altLang="zh-CN" sz="2000" smtClean="0"/>
-                    </a:p>
-                    <a:p>
-                      <a:pPr marL="285750" indent="-285750">
-                        <a:buFont typeface="Wingdings" panose="05000000000000000000" pitchFamily="2" charset="2"/>
-                        <a:buChar char="ü"/>
-                      </a:pPr>
-                      <a:r>
-                        <a:rPr lang="en-US" altLang="zh-CN" sz="2000" smtClean="0"/>
-                        <a:t>IBM</a:t>
-                      </a:r>
-                      <a:r>
-                        <a:rPr lang="en-US" altLang="zh-CN" sz="2000" baseline="0" smtClean="0"/>
-                        <a:t> APP Scan</a:t>
-                      </a:r>
-                      <a:r>
-                        <a:rPr lang="zh-CN" altLang="en-US" sz="2000" baseline="0" smtClean="0"/>
-                        <a:t>安装（暂时没有用上）</a:t>
-                      </a:r>
-                      <a:endParaRPr lang="zh-CN" altLang="en-US" sz="2000"/>
-                    </a:p>
-                  </a:txBody>
-                  <a:tcPr anchor="ctr"/>
-                </a:tc>
-                <a:extLst>
-                  <a:ext uri="{0D108BD9-81ED-4DB2-BD59-A6C34878D82A}">
-                    <a16:rowId xmlns:a16="http://schemas.microsoft.com/office/drawing/2014/main" val="410258838"/>
-                  </a:ext>
-                </a:extLst>
-              </a:tr>
-            </a:tbl>
-          </a:graphicData>
-        </a:graphic>
-      </p:graphicFrame>
       <p:sp>
         <p:nvSpPr>
           <p:cNvPr id="5" name="文本框 4"/>
@@ -10872,7 +11172,7 @@
           <a:lstStyle/>
           <a:p>
             <a:r>
-              <a:rPr lang="en-US" altLang="zh-CN" sz="8800" smtClean="0"/>
+              <a:rPr lang="en-US" altLang="zh-CN" sz="8800"/>
               <a:t>Thanks</a:t>
             </a:r>
             <a:endParaRPr lang="zh-CN" altLang="en-US" sz="8800"/>
@@ -10909,6 +11209,363 @@
           </a:fontRef>
         </p:style>
       </p:cxnSp>
+      <p:graphicFrame>
+        <p:nvGraphicFramePr>
+          <p:cNvPr id="4" name="表格 3">
+            <a:extLst>
+              <a:ext uri="{FF2B5EF4-FFF2-40B4-BE49-F238E27FC236}">
+                <a16:creationId xmlns:a16="http://schemas.microsoft.com/office/drawing/2014/main" id="{2DDD3500-B48C-4097-8E60-DDF0F511D1B6}"/>
+              </a:ext>
+            </a:extLst>
+          </p:cNvPr>
+          <p:cNvGraphicFramePr>
+            <a:graphicFrameLocks noGrp="1"/>
+          </p:cNvGraphicFramePr>
+          <p:nvPr>
+            <p:extLst>
+              <p:ext uri="{D42A27DB-BD31-4B8C-83A1-F6EECF244321}">
+                <p14:modId xmlns:p14="http://schemas.microsoft.com/office/powerpoint/2010/main" val="2315497715"/>
+              </p:ext>
+            </p:extLst>
+          </p:nvPr>
+        </p:nvGraphicFramePr>
+        <p:xfrm>
+          <a:off x="258141" y="1194600"/>
+          <a:ext cx="7228509" cy="4654586"/>
+        </p:xfrm>
+        <a:graphic>
+          <a:graphicData uri="http://schemas.openxmlformats.org/drawingml/2006/table">
+            <a:tbl>
+              <a:tblPr firstRow="1" bandRow="1">
+                <a:tableStyleId>{5940675A-B579-460E-94D1-54222C63F5DA}</a:tableStyleId>
+              </a:tblPr>
+              <a:tblGrid>
+                <a:gridCol w="2086383">
+                  <a:extLst>
+                    <a:ext uri="{9D8B030D-6E8A-4147-A177-3AD203B41FA5}">
+                      <a16:colId xmlns:a16="http://schemas.microsoft.com/office/drawing/2014/main" val="243595328"/>
+                    </a:ext>
+                  </a:extLst>
+                </a:gridCol>
+                <a:gridCol w="5142126">
+                  <a:extLst>
+                    <a:ext uri="{9D8B030D-6E8A-4147-A177-3AD203B41FA5}">
+                      <a16:colId xmlns:a16="http://schemas.microsoft.com/office/drawing/2014/main" val="683446669"/>
+                    </a:ext>
+                  </a:extLst>
+                </a:gridCol>
+              </a:tblGrid>
+              <a:tr h="549754">
+                <a:tc>
+                  <a:txBody>
+                    <a:bodyPr/>
+                    <a:lstStyle/>
+                    <a:p>
+                      <a:pPr algn="ctr"/>
+                      <a:r>
+                        <a:rPr lang="zh-CN" altLang="en-US" sz="2400"/>
+                        <a:t>组员</a:t>
+                      </a:r>
+                    </a:p>
+                  </a:txBody>
+                  <a:tcPr anchor="ctr">
+                    <a:solidFill>
+                      <a:schemeClr val="bg1">
+                        <a:lumMod val="75000"/>
+                      </a:schemeClr>
+                    </a:solidFill>
+                  </a:tcPr>
+                </a:tc>
+                <a:tc>
+                  <a:txBody>
+                    <a:bodyPr/>
+                    <a:lstStyle/>
+                    <a:p>
+                      <a:pPr algn="ctr"/>
+                      <a:r>
+                        <a:rPr lang="zh-CN" altLang="en-US" sz="2400" dirty="0"/>
+                        <a:t>分工</a:t>
+                      </a:r>
+                    </a:p>
+                  </a:txBody>
+                  <a:tcPr anchor="ctr">
+                    <a:solidFill>
+                      <a:schemeClr val="bg1">
+                        <a:lumMod val="75000"/>
+                      </a:schemeClr>
+                    </a:solidFill>
+                  </a:tcPr>
+                </a:tc>
+                <a:extLst>
+                  <a:ext uri="{0D108BD9-81ED-4DB2-BD59-A6C34878D82A}">
+                    <a16:rowId xmlns:a16="http://schemas.microsoft.com/office/drawing/2014/main" val="3874744578"/>
+                  </a:ext>
+                </a:extLst>
+              </a:tr>
+              <a:tr h="1209459">
+                <a:tc>
+                  <a:txBody>
+                    <a:bodyPr/>
+                    <a:lstStyle/>
+                    <a:p>
+                      <a:pPr algn="ctr"/>
+                      <a:r>
+                        <a:rPr lang="zh-CN" altLang="en-US" sz="2000"/>
+                        <a:t>陈绿佳</a:t>
+                      </a:r>
+                    </a:p>
+                  </a:txBody>
+                  <a:tcPr anchor="ctr"/>
+                </a:tc>
+                <a:tc>
+                  <a:txBody>
+                    <a:bodyPr/>
+                    <a:lstStyle/>
+                    <a:p>
+                      <a:pPr marL="285750" indent="-285750">
+                        <a:buFont typeface="Wingdings" panose="05000000000000000000" pitchFamily="2" charset="2"/>
+                        <a:buChar char="ü"/>
+                      </a:pPr>
+                      <a:r>
+                        <a:rPr lang="zh-CN" altLang="en-US" sz="2000" dirty="0"/>
+                        <a:t>密码加密</a:t>
+                      </a:r>
+                      <a:endParaRPr lang="en-US" altLang="zh-CN" sz="2000" dirty="0"/>
+                    </a:p>
+                    <a:p>
+                      <a:pPr marL="285750" indent="-285750">
+                        <a:buFont typeface="Wingdings" panose="05000000000000000000" pitchFamily="2" charset="2"/>
+                        <a:buChar char="ü"/>
+                      </a:pPr>
+                      <a:r>
+                        <a:rPr lang="en-US" altLang="zh-CN" sz="2000" dirty="0"/>
+                        <a:t>spring https</a:t>
+                      </a:r>
+                      <a:r>
+                        <a:rPr lang="zh-CN" altLang="en-US" sz="2000" dirty="0"/>
+                        <a:t>连接</a:t>
+                      </a:r>
+                      <a:endParaRPr lang="en-US" altLang="zh-CN" sz="2000" dirty="0"/>
+                    </a:p>
+                    <a:p>
+                      <a:pPr marL="285750" indent="-285750">
+                        <a:buFont typeface="Wingdings" panose="05000000000000000000" pitchFamily="2" charset="2"/>
+                        <a:buChar char="ü"/>
+                      </a:pPr>
+                      <a:r>
+                        <a:rPr lang="zh-CN" altLang="en-US" sz="2000" dirty="0"/>
+                        <a:t>数字证书双向认证</a:t>
+                      </a:r>
+                    </a:p>
+                  </a:txBody>
+                  <a:tcPr anchor="ctr"/>
+                </a:tc>
+                <a:extLst>
+                  <a:ext uri="{0D108BD9-81ED-4DB2-BD59-A6C34878D82A}">
+                    <a16:rowId xmlns:a16="http://schemas.microsoft.com/office/drawing/2014/main" val="3552422705"/>
+                  </a:ext>
+                </a:extLst>
+              </a:tr>
+              <a:tr h="842957">
+                <a:tc>
+                  <a:txBody>
+                    <a:bodyPr/>
+                    <a:lstStyle/>
+                    <a:p>
+                      <a:pPr algn="ctr"/>
+                      <a:r>
+                        <a:rPr lang="zh-CN" altLang="en-US" sz="2000"/>
+                        <a:t>梁宏达</a:t>
+                      </a:r>
+                    </a:p>
+                  </a:txBody>
+                  <a:tcPr anchor="ctr"/>
+                </a:tc>
+                <a:tc>
+                  <a:txBody>
+                    <a:bodyPr/>
+                    <a:lstStyle/>
+                    <a:p>
+                      <a:pPr marL="285750" indent="-285750">
+                        <a:buFont typeface="Wingdings" panose="05000000000000000000" pitchFamily="2" charset="2"/>
+                        <a:buChar char="ü"/>
+                      </a:pPr>
+                      <a:r>
+                        <a:rPr lang="en-US" altLang="zh-CN" sz="2000"/>
+                        <a:t>spring</a:t>
+                      </a:r>
+                      <a:r>
+                        <a:rPr lang="en-US" altLang="zh-CN" sz="2000" baseline="0"/>
+                        <a:t> security</a:t>
+                      </a:r>
+                      <a:r>
+                        <a:rPr lang="zh-CN" altLang="en-US" sz="2000" baseline="0"/>
+                        <a:t>用户登录</a:t>
+                      </a:r>
+                      <a:endParaRPr lang="en-US" altLang="zh-CN" sz="2000" baseline="0"/>
+                    </a:p>
+                    <a:p>
+                      <a:pPr marL="285750" indent="-285750">
+                        <a:buFont typeface="Wingdings" panose="05000000000000000000" pitchFamily="2" charset="2"/>
+                        <a:buChar char="ü"/>
+                      </a:pPr>
+                      <a:r>
+                        <a:rPr lang="en-US" altLang="zh-CN" sz="2000" baseline="0"/>
+                        <a:t>spring security</a:t>
+                      </a:r>
+                      <a:r>
+                        <a:rPr lang="zh-CN" altLang="en-US" sz="2000" baseline="0"/>
+                        <a:t>基于角色的访问控制</a:t>
+                      </a:r>
+                      <a:endParaRPr lang="zh-CN" altLang="en-US" sz="2000"/>
+                    </a:p>
+                  </a:txBody>
+                  <a:tcPr anchor="ctr"/>
+                </a:tc>
+                <a:extLst>
+                  <a:ext uri="{0D108BD9-81ED-4DB2-BD59-A6C34878D82A}">
+                    <a16:rowId xmlns:a16="http://schemas.microsoft.com/office/drawing/2014/main" val="2479525730"/>
+                  </a:ext>
+                </a:extLst>
+              </a:tr>
+              <a:tr h="1209459">
+                <a:tc>
+                  <a:txBody>
+                    <a:bodyPr/>
+                    <a:lstStyle/>
+                    <a:p>
+                      <a:pPr algn="ctr"/>
+                      <a:r>
+                        <a:rPr lang="zh-CN" altLang="en-US" sz="2000"/>
+                        <a:t>蓝艺</a:t>
+                      </a:r>
+                    </a:p>
+                  </a:txBody>
+                  <a:tcPr anchor="ctr"/>
+                </a:tc>
+                <a:tc>
+                  <a:txBody>
+                    <a:bodyPr/>
+                    <a:lstStyle/>
+                    <a:p>
+                      <a:pPr marL="285750" indent="-285750">
+                        <a:buFont typeface="Wingdings" panose="05000000000000000000" pitchFamily="2" charset="2"/>
+                        <a:buChar char="ü"/>
+                      </a:pPr>
+                      <a:r>
+                        <a:rPr lang="zh-CN" altLang="en-US" sz="2000"/>
+                        <a:t>防火墙、安全组策略配置</a:t>
+                      </a:r>
+                      <a:endParaRPr lang="en-US" altLang="zh-CN" sz="2000"/>
+                    </a:p>
+                    <a:p>
+                      <a:pPr marL="285750" indent="-285750">
+                        <a:buFont typeface="Wingdings" panose="05000000000000000000" pitchFamily="2" charset="2"/>
+                        <a:buChar char="ü"/>
+                      </a:pPr>
+                      <a:r>
+                        <a:rPr lang="en-US" altLang="zh-CN" sz="2000"/>
+                        <a:t>tomcat</a:t>
+                      </a:r>
+                      <a:r>
+                        <a:rPr lang="zh-CN" altLang="en-US" sz="2000"/>
+                        <a:t>安装与</a:t>
+                      </a:r>
+                      <a:r>
+                        <a:rPr lang="en-US" altLang="zh-CN" sz="2000"/>
+                        <a:t>https</a:t>
+                      </a:r>
+                      <a:r>
+                        <a:rPr lang="zh-CN" altLang="en-US" sz="2000"/>
+                        <a:t>配置（没有用上）</a:t>
+                      </a:r>
+                      <a:endParaRPr lang="en-US" altLang="zh-CN" sz="2000"/>
+                    </a:p>
+                    <a:p>
+                      <a:pPr marL="285750" indent="-285750">
+                        <a:buFont typeface="Wingdings" panose="05000000000000000000" pitchFamily="2" charset="2"/>
+                        <a:buChar char="ü"/>
+                      </a:pPr>
+                      <a:r>
+                        <a:rPr lang="zh-CN" altLang="en-US" sz="2000"/>
+                        <a:t>搭建连通可靠开发环境设计方案</a:t>
+                      </a:r>
+                    </a:p>
+                  </a:txBody>
+                  <a:tcPr anchor="ctr"/>
+                </a:tc>
+                <a:extLst>
+                  <a:ext uri="{0D108BD9-81ED-4DB2-BD59-A6C34878D82A}">
+                    <a16:rowId xmlns:a16="http://schemas.microsoft.com/office/drawing/2014/main" val="1148711694"/>
+                  </a:ext>
+                </a:extLst>
+              </a:tr>
+              <a:tr h="842957">
+                <a:tc>
+                  <a:txBody>
+                    <a:bodyPr/>
+                    <a:lstStyle/>
+                    <a:p>
+                      <a:pPr algn="ctr"/>
+                      <a:r>
+                        <a:rPr lang="zh-CN" altLang="en-US" sz="2000"/>
+                        <a:t>李旺升</a:t>
+                      </a:r>
+                    </a:p>
+                  </a:txBody>
+                  <a:tcPr anchor="ctr"/>
+                </a:tc>
+                <a:tc>
+                  <a:txBody>
+                    <a:bodyPr/>
+                    <a:lstStyle/>
+                    <a:p>
+                      <a:pPr marL="285750" indent="-285750">
+                        <a:buFont typeface="Wingdings" panose="05000000000000000000" pitchFamily="2" charset="2"/>
+                        <a:buChar char="ü"/>
+                      </a:pPr>
+                      <a:r>
+                        <a:rPr lang="en-US" altLang="zh-CN" sz="2000" dirty="0" err="1"/>
+                        <a:t>mysql</a:t>
+                      </a:r>
+                      <a:r>
+                        <a:rPr lang="zh-CN" altLang="en-US" sz="2000" dirty="0"/>
+                        <a:t>安装配置</a:t>
+                      </a:r>
+                      <a:endParaRPr lang="en-US" altLang="zh-CN" sz="2000" dirty="0"/>
+                    </a:p>
+                    <a:p>
+                      <a:pPr marL="285750" indent="-285750">
+                        <a:buFont typeface="Wingdings" panose="05000000000000000000" pitchFamily="2" charset="2"/>
+                        <a:buChar char="ü"/>
+                      </a:pPr>
+                      <a:r>
+                        <a:rPr lang="en-US" altLang="zh-CN" sz="2000" dirty="0"/>
+                        <a:t>IBM</a:t>
+                      </a:r>
+                      <a:r>
+                        <a:rPr lang="en-US" altLang="zh-CN" sz="2000" baseline="0" dirty="0"/>
+                        <a:t> APP Scan</a:t>
+                      </a:r>
+                      <a:r>
+                        <a:rPr lang="zh-CN" altLang="en-US" sz="2000" baseline="0" dirty="0"/>
+                        <a:t>安装（暂时没有用上）</a:t>
+                      </a:r>
+                      <a:endParaRPr lang="zh-CN" altLang="en-US" sz="2000" dirty="0"/>
+                    </a:p>
+                  </a:txBody>
+                  <a:tcPr anchor="ctr"/>
+                </a:tc>
+                <a:extLst>
+                  <a:ext uri="{0D108BD9-81ED-4DB2-BD59-A6C34878D82A}">
+                    <a16:rowId xmlns:a16="http://schemas.microsoft.com/office/drawing/2014/main" val="410258838"/>
+                  </a:ext>
+                </a:extLst>
+              </a:tr>
+            </a:tbl>
+          </a:graphicData>
+        </a:graphic>
+      </p:graphicFrame>
     </p:spTree>
     <p:extLst>
       <p:ext uri="{BB962C8B-B14F-4D97-AF65-F5344CB8AC3E}">
@@ -10922,7 +11579,7 @@
 </p:sld>
 </file>
 
-<file path=ppt/slides/slide3.xml><?xml version="1.0" encoding="utf-8"?>
+<file path=ppt/slides/slide4.xml><?xml version="1.0" encoding="utf-8"?>
 <p:sld xmlns:a="http://schemas.openxmlformats.org/drawingml/2006/main" xmlns:r="http://schemas.openxmlformats.org/officeDocument/2006/relationships" xmlns:p="http://schemas.openxmlformats.org/presentationml/2006/main">
   <p:cSld>
     <p:spTree>
@@ -10966,10 +11623,10 @@
               <a:buAutoNum type="arabicPeriod"/>
             </a:pPr>
             <a:r>
-              <a:rPr lang="zh-CN" altLang="en-US" sz="2400" smtClean="0"/>
+              <a:rPr lang="zh-CN" altLang="en-US" sz="2400"/>
               <a:t>签发证书</a:t>
             </a:r>
-            <a:endParaRPr lang="en-US" altLang="zh-CN" sz="2400" smtClean="0"/>
+            <a:endParaRPr lang="en-US" altLang="zh-CN" sz="2400"/>
           </a:p>
           <a:p>
             <a:pPr marL="914400" lvl="1" indent="-457200">
@@ -10977,14 +11634,14 @@
               <a:buChar char="Ø"/>
             </a:pPr>
             <a:r>
-              <a:rPr lang="en-US" altLang="zh-CN" sz="2400" smtClean="0"/>
+              <a:rPr lang="en-US" altLang="zh-CN" sz="2400"/>
               <a:t>CA</a:t>
             </a:r>
             <a:r>
-              <a:rPr lang="zh-CN" altLang="en-US" sz="2400" smtClean="0"/>
+              <a:rPr lang="zh-CN" altLang="en-US" sz="2400"/>
               <a:t>签发服务器证书</a:t>
             </a:r>
-            <a:endParaRPr lang="en-US" altLang="zh-CN" sz="2400" smtClean="0"/>
+            <a:endParaRPr lang="en-US" altLang="zh-CN" sz="2400"/>
           </a:p>
           <a:p>
             <a:pPr marL="914400" lvl="1" indent="-457200">
@@ -10999,7 +11656,6 @@
               <a:rPr lang="en-US" altLang="zh-CN" sz="2400"/>
               <a:t>keystore</a:t>
             </a:r>
-            <a:endParaRPr lang="en-US" altLang="zh-CN" sz="2400" smtClean="0"/>
           </a:p>
           <a:p>
             <a:pPr marL="914400" lvl="1" indent="-457200">
@@ -11007,18 +11663,18 @@
               <a:buChar char="Ø"/>
             </a:pPr>
             <a:r>
-              <a:rPr lang="zh-CN" altLang="en-US" sz="2400" smtClean="0"/>
+              <a:rPr lang="zh-CN" altLang="en-US" sz="2400"/>
               <a:t>客户端安装</a:t>
             </a:r>
             <a:r>
-              <a:rPr lang="en-US" altLang="zh-CN" sz="2400" smtClean="0"/>
+              <a:rPr lang="en-US" altLang="zh-CN" sz="2400"/>
               <a:t>CA</a:t>
             </a:r>
             <a:r>
-              <a:rPr lang="zh-CN" altLang="en-US" sz="2400" smtClean="0"/>
+              <a:rPr lang="zh-CN" altLang="en-US" sz="2400"/>
               <a:t>证书</a:t>
             </a:r>
-            <a:endParaRPr lang="en-US" altLang="zh-CN" sz="2400" smtClean="0"/>
+            <a:endParaRPr lang="en-US" altLang="zh-CN" sz="2400"/>
           </a:p>
           <a:p>
             <a:pPr marL="457200" indent="-457200">
@@ -11030,20 +11686,16 @@
               <a:t>用</a:t>
             </a:r>
             <a:r>
-              <a:rPr lang="en-US" altLang="zh-CN" sz="2400" smtClean="0"/>
+              <a:rPr lang="en-US" altLang="zh-CN" sz="2400"/>
               <a:t>keystore</a:t>
             </a:r>
             <a:r>
-              <a:rPr lang="zh-CN" altLang="en-US" sz="2400" smtClean="0"/>
+              <a:rPr lang="zh-CN" altLang="en-US" sz="2400"/>
               <a:t>配置</a:t>
             </a:r>
             <a:r>
               <a:rPr lang="en-US" altLang="zh-CN" sz="2400"/>
-              <a:t>spring </a:t>
-            </a:r>
-            <a:r>
-              <a:rPr lang="en-US" altLang="zh-CN" sz="2400" smtClean="0"/>
-              <a:t>boot</a:t>
+              <a:t>spring boot</a:t>
             </a:r>
             <a:endParaRPr lang="zh-CN" altLang="en-US" sz="2400"/>
           </a:p>
@@ -11273,7 +11925,7 @@
               <a:lstStyle/>
               <a:p>
                 <a:r>
-                  <a:rPr lang="en-US" altLang="zh-CN" sz="3200" smtClean="0">
+                  <a:rPr lang="en-US" altLang="zh-CN" sz="3200">
                     <a:solidFill>
                       <a:schemeClr val="bg1"/>
                     </a:solidFill>
@@ -11366,7 +12018,7 @@
               <a:p>
                 <a:pPr algn="ctr"/>
                 <a:r>
-                  <a:rPr lang="en-US" altLang="zh-CN" smtClean="0"/>
+                  <a:rPr lang="en-US" altLang="zh-CN"/>
                   <a:t>secret key</a:t>
                 </a:r>
                 <a:endParaRPr lang="zh-CN" altLang="en-US"/>
@@ -11409,7 +12061,7 @@
             <a:p>
               <a:pPr algn="ctr"/>
               <a:r>
-                <a:rPr lang="en-US" altLang="zh-CN" sz="2800" smtClean="0"/>
+                <a:rPr lang="en-US" altLang="zh-CN" sz="2800"/>
                 <a:t>Client</a:t>
               </a:r>
               <a:endParaRPr lang="zh-CN" altLang="en-US" sz="2800"/>
@@ -11451,7 +12103,7 @@
             <a:p>
               <a:pPr algn="ctr"/>
               <a:r>
-                <a:rPr lang="en-US" altLang="zh-CN" sz="2800" smtClean="0"/>
+                <a:rPr lang="en-US" altLang="zh-CN" sz="2800"/>
                 <a:t>Server</a:t>
               </a:r>
               <a:endParaRPr lang="zh-CN" altLang="en-US" sz="2800"/>
@@ -11501,7 +12153,7 @@
             <a:p>
               <a:pPr algn="ctr"/>
               <a:r>
-                <a:rPr lang="en-US" altLang="zh-CN" sz="3200" smtClean="0"/>
+                <a:rPr lang="en-US" altLang="zh-CN" sz="3200"/>
                 <a:t>CA</a:t>
               </a:r>
               <a:endParaRPr lang="zh-CN" altLang="en-US" sz="3200"/>
@@ -11680,7 +12332,7 @@
             <a:p>
               <a:pPr algn="ctr"/>
               <a:r>
-                <a:rPr lang="en-US" altLang="zh-CN" sz="2000" smtClean="0"/>
+                <a:rPr lang="en-US" altLang="zh-CN" sz="2000"/>
                 <a:t>server cert</a:t>
               </a:r>
               <a:endParaRPr lang="zh-CN" altLang="en-US" sz="2000"/>
@@ -11739,22 +12391,22 @@
               <a:buChar char="l"/>
             </a:pPr>
             <a:r>
-              <a:rPr lang="en-US" altLang="zh-CN" sz="2400" smtClean="0"/>
+              <a:rPr lang="en-US" altLang="zh-CN" sz="2400"/>
               <a:t>keytool</a:t>
             </a:r>
             <a:r>
-              <a:rPr lang="zh-CN" altLang="en-US" sz="2400" smtClean="0"/>
+              <a:rPr lang="zh-CN" altLang="en-US" sz="2400"/>
               <a:t>：</a:t>
             </a:r>
             <a:r>
-              <a:rPr lang="en-US" altLang="zh-CN" sz="2400" smtClean="0"/>
+              <a:rPr lang="en-US" altLang="zh-CN" sz="2400"/>
               <a:t>JDK</a:t>
             </a:r>
             <a:r>
-              <a:rPr lang="zh-CN" altLang="en-US" sz="2400" smtClean="0"/>
+              <a:rPr lang="zh-CN" altLang="en-US" sz="2400"/>
               <a:t>自带数字证书管理工具</a:t>
             </a:r>
-            <a:endParaRPr lang="en-US" altLang="zh-CN" sz="2400" smtClean="0"/>
+            <a:endParaRPr lang="en-US" altLang="zh-CN" sz="2400"/>
           </a:p>
           <a:p>
             <a:pPr marL="285750" indent="-285750">
@@ -11767,13 +12419,8 @@
             </a:r>
             <a:r>
               <a:rPr lang="zh-CN" altLang="en-US" sz="2400"/>
-              <a:t>：数字证书管理仓库，存储公私</a:t>
-            </a:r>
-            <a:r>
-              <a:rPr lang="zh-CN" altLang="en-US" sz="2400" smtClean="0"/>
-              <a:t>密钥对</a:t>
-            </a:r>
-            <a:endParaRPr lang="zh-CN" altLang="en-US" sz="2400"/>
+              <a:t>：数字证书管理仓库，存储公私密钥对</a:t>
+            </a:r>
           </a:p>
         </p:txBody>
       </p:sp>
@@ -11800,18 +12447,17 @@
           <a:lstStyle/>
           <a:p>
             <a:r>
-              <a:rPr lang="zh-CN" altLang="en-US" sz="3200" smtClean="0"/>
+              <a:rPr lang="zh-CN" altLang="en-US" sz="3200"/>
               <a:t>数字证书实现</a:t>
             </a:r>
             <a:r>
-              <a:rPr lang="en-US" altLang="zh-CN" sz="3200" smtClean="0"/>
+              <a:rPr lang="en-US" altLang="zh-CN" sz="3200"/>
               <a:t>Https</a:t>
             </a:r>
             <a:r>
-              <a:rPr lang="zh-CN" altLang="en-US" sz="3200" smtClean="0"/>
+              <a:rPr lang="zh-CN" altLang="en-US" sz="3200"/>
               <a:t>连接</a:t>
             </a:r>
-            <a:endParaRPr lang="zh-CN" altLang="en-US" sz="3200"/>
           </a:p>
         </p:txBody>
       </p:sp>
@@ -11825,17 +12471,10 @@
   <p:clrMapOvr>
     <a:masterClrMapping/>
   </p:clrMapOvr>
-  <p:timing>
-    <p:tnLst>
-      <p:par>
-        <p:cTn id="1" dur="indefinite" restart="never" nodeType="tmRoot"/>
-      </p:par>
-    </p:tnLst>
-  </p:timing>
 </p:sld>
 </file>
 
-<file path=ppt/slides/slide4.xml><?xml version="1.0" encoding="utf-8"?>
+<file path=ppt/slides/slide5.xml><?xml version="1.0" encoding="utf-8"?>
 <p:sld xmlns:a="http://schemas.openxmlformats.org/drawingml/2006/main" xmlns:r="http://schemas.openxmlformats.org/officeDocument/2006/relationships" xmlns:p="http://schemas.openxmlformats.org/presentationml/2006/main">
   <p:cSld>
     <p:spTree>
@@ -11919,7 +12558,7 @@
 </p:sld>
 </file>
 
-<file path=ppt/slides/slide5.xml><?xml version="1.0" encoding="utf-8"?>
+<file path=ppt/slides/slide6.xml><?xml version="1.0" encoding="utf-8"?>
 <p:sld xmlns:a="http://schemas.openxmlformats.org/drawingml/2006/main" xmlns:r="http://schemas.openxmlformats.org/officeDocument/2006/relationships" xmlns:p="http://schemas.openxmlformats.org/presentationml/2006/main">
   <p:cSld>
     <p:spTree>
@@ -11958,11 +12597,11 @@
           <a:lstStyle/>
           <a:p>
             <a:r>
-              <a:rPr lang="en-US" altLang="zh-CN" b="1" smtClean="0"/>
+              <a:rPr lang="en-US" altLang="zh-CN" b="1"/>
               <a:t>2.</a:t>
             </a:r>
             <a:r>
-              <a:rPr lang="zh-CN" altLang="en-US" b="1" smtClean="0"/>
+              <a:rPr lang="zh-CN" altLang="en-US" b="1"/>
               <a:t>业务</a:t>
             </a:r>
             <a:r>
@@ -12010,7 +12649,7 @@
 </p:sld>
 </file>
 
-<file path=ppt/slides/slide6.xml><?xml version="1.0" encoding="utf-8"?>
+<file path=ppt/slides/slide7.xml><?xml version="1.0" encoding="utf-8"?>
 <p:sld xmlns:a="http://schemas.openxmlformats.org/drawingml/2006/main" xmlns:r="http://schemas.openxmlformats.org/officeDocument/2006/relationships" xmlns:p="http://schemas.openxmlformats.org/presentationml/2006/main">
   <p:cSld>
     <p:spTree>
@@ -12246,7 +12885,7 @@
 </p:sld>
 </file>
 
-<file path=ppt/slides/slide7.xml><?xml version="1.0" encoding="utf-8"?>
+<file path=ppt/slides/slide8.xml><?xml version="1.0" encoding="utf-8"?>
 <p:sld xmlns:a="http://schemas.openxmlformats.org/drawingml/2006/main" xmlns:r="http://schemas.openxmlformats.org/officeDocument/2006/relationships" xmlns:p="http://schemas.openxmlformats.org/presentationml/2006/main">
   <p:cSld>
     <p:spTree>
@@ -12435,7 +13074,7 @@
 </p:sld>
 </file>
 
-<file path=ppt/slides/slide8.xml><?xml version="1.0" encoding="utf-8"?>
+<file path=ppt/slides/slide9.xml><?xml version="1.0" encoding="utf-8"?>
 <p:sld xmlns:a="http://schemas.openxmlformats.org/drawingml/2006/main" xmlns:r="http://schemas.openxmlformats.org/officeDocument/2006/relationships" xmlns:p="http://schemas.openxmlformats.org/presentationml/2006/main">
   <p:cSld>
     <p:spTree>
@@ -12578,142 +13217,6 @@
     <p:extLst>
       <p:ext uri="{BB962C8B-B14F-4D97-AF65-F5344CB8AC3E}">
         <p14:creationId xmlns:p14="http://schemas.microsoft.com/office/powerpoint/2010/main" val="4287247293"/>
-      </p:ext>
-    </p:extLst>
-  </p:cSld>
-  <p:clrMapOvr>
-    <a:masterClrMapping/>
-  </p:clrMapOvr>
-</p:sld>
-</file>
-
-<file path=ppt/slides/slide9.xml><?xml version="1.0" encoding="utf-8"?>
-<p:sld xmlns:a="http://schemas.openxmlformats.org/drawingml/2006/main" xmlns:r="http://schemas.openxmlformats.org/officeDocument/2006/relationships" xmlns:p="http://schemas.openxmlformats.org/presentationml/2006/main">
-  <p:cSld>
-    <p:spTree>
-      <p:nvGrpSpPr>
-        <p:cNvPr id="1" name=""/>
-        <p:cNvGrpSpPr/>
-        <p:nvPr/>
-      </p:nvGrpSpPr>
-      <p:grpSpPr>
-        <a:xfrm>
-          <a:off x="0" y="0"/>
-          <a:ext cx="0" cy="0"/>
-          <a:chOff x="0" y="0"/>
-          <a:chExt cx="0" cy="0"/>
-        </a:xfrm>
-      </p:grpSpPr>
-      <p:sp>
-        <p:nvSpPr>
-          <p:cNvPr id="2" name="标题 1">
-            <a:extLst>
-              <a:ext uri="{FF2B5EF4-FFF2-40B4-BE49-F238E27FC236}">
-                <a16:creationId xmlns:a16="http://schemas.microsoft.com/office/drawing/2014/main" id="{1D1D5EF4-9974-494F-B574-42CF5B032307}"/>
-              </a:ext>
-            </a:extLst>
-          </p:cNvPr>
-          <p:cNvSpPr>
-            <a:spLocks noGrp="1"/>
-          </p:cNvSpPr>
-          <p:nvPr>
-            <p:ph type="title"/>
-          </p:nvPr>
-        </p:nvSpPr>
-        <p:spPr>
-          <a:xfrm>
-            <a:off x="838200" y="365125"/>
-            <a:ext cx="10515600" cy="918552"/>
-          </a:xfrm>
-        </p:spPr>
-        <p:txBody>
-          <a:bodyPr/>
-          <a:lstStyle/>
-          <a:p>
-            <a:r>
-              <a:rPr lang="zh-CN" altLang="en-US" dirty="0"/>
-              <a:t>访问首页</a:t>
-            </a:r>
-          </a:p>
-        </p:txBody>
-      </p:sp>
-      <p:sp>
-        <p:nvSpPr>
-          <p:cNvPr id="3" name="内容占位符 2">
-            <a:extLst>
-              <a:ext uri="{FF2B5EF4-FFF2-40B4-BE49-F238E27FC236}">
-                <a16:creationId xmlns:a16="http://schemas.microsoft.com/office/drawing/2014/main" id="{B3313249-3A82-4E3D-94A0-B71CA67EC455}"/>
-              </a:ext>
-            </a:extLst>
-          </p:cNvPr>
-          <p:cNvSpPr>
-            <a:spLocks noGrp="1"/>
-          </p:cNvSpPr>
-          <p:nvPr>
-            <p:ph idx="1"/>
-          </p:nvPr>
-        </p:nvSpPr>
-        <p:spPr>
-          <a:xfrm>
-            <a:off x="838200" y="1406769"/>
-            <a:ext cx="10515600" cy="4770194"/>
-          </a:xfrm>
-        </p:spPr>
-        <p:txBody>
-          <a:bodyPr/>
-          <a:lstStyle/>
-          <a:p>
-            <a:r>
-              <a:rPr lang="zh-CN" altLang="en-US" dirty="0"/>
-              <a:t>没有登陆和权限的限制：</a:t>
-            </a:r>
-            <a:endParaRPr lang="en-US" altLang="zh-CN" dirty="0"/>
-          </a:p>
-          <a:p>
-            <a:endParaRPr lang="zh-CN" altLang="en-US" dirty="0"/>
-          </a:p>
-        </p:txBody>
-      </p:sp>
-      <p:pic>
-        <p:nvPicPr>
-          <p:cNvPr id="5" name="图片 4">
-            <a:extLst>
-              <a:ext uri="{FF2B5EF4-FFF2-40B4-BE49-F238E27FC236}">
-                <a16:creationId xmlns:a16="http://schemas.microsoft.com/office/drawing/2014/main" id="{856A79E4-7E8B-4077-BB23-67ED7F5957A5}"/>
-              </a:ext>
-            </a:extLst>
-          </p:cNvPr>
-          <p:cNvPicPr>
-            <a:picLocks noChangeAspect="1"/>
-          </p:cNvPicPr>
-          <p:nvPr/>
-        </p:nvPicPr>
-        <p:blipFill>
-          <a:blip r:embed="rId2">
-            <a:extLst>
-              <a:ext uri="{28A0092B-C50C-407E-A947-70E740481C1C}">
-                <a14:useLocalDpi xmlns:a14="http://schemas.microsoft.com/office/drawing/2010/main" val="0"/>
-              </a:ext>
-            </a:extLst>
-          </a:blip>
-          <a:stretch>
-            <a:fillRect/>
-          </a:stretch>
-        </p:blipFill>
-        <p:spPr>
-          <a:xfrm>
-            <a:off x="1443971" y="2268415"/>
-            <a:ext cx="8990835" cy="3305908"/>
-          </a:xfrm>
-          <a:prstGeom prst="rect">
-            <a:avLst/>
-          </a:prstGeom>
-        </p:spPr>
-      </p:pic>
-    </p:spTree>
-    <p:extLst>
-      <p:ext uri="{BB962C8B-B14F-4D97-AF65-F5344CB8AC3E}">
-        <p14:creationId xmlns:p14="http://schemas.microsoft.com/office/powerpoint/2010/main" val="100180039"/>
       </p:ext>
     </p:extLst>
   </p:cSld>
